--- a/slides/xmcd.pptx
+++ b/slides/xmcd.pptx
@@ -17,21 +17,24 @@
     <p:sldId id="262" r:id="rId11"/>
     <p:sldId id="263" r:id="rId12"/>
     <p:sldId id="264" r:id="rId13"/>
+    <p:sldId id="265" r:id="rId14"/>
+    <p:sldId id="266" r:id="rId15"/>
+    <p:sldId id="267" r:id="rId16"/>
   </p:sldIdLst>
   <p:sldSz cy="5143500" cx="9144000"/>
   <p:notesSz cx="6858000" cy="9144000"/>
   <p:embeddedFontLst>
     <p:embeddedFont>
       <p:font typeface="Roboto Slab"/>
-      <p:regular r:id="rId14"/>
-      <p:bold r:id="rId15"/>
+      <p:regular r:id="rId17"/>
+      <p:bold r:id="rId18"/>
     </p:embeddedFont>
     <p:embeddedFont>
       <p:font typeface="Roboto"/>
-      <p:regular r:id="rId16"/>
-      <p:bold r:id="rId17"/>
-      <p:italic r:id="rId18"/>
-      <p:boldItalic r:id="rId19"/>
+      <p:regular r:id="rId19"/>
+      <p:bold r:id="rId20"/>
+      <p:italic r:id="rId21"/>
+      <p:boldItalic r:id="rId22"/>
     </p:embeddedFont>
   </p:embeddedFontLst>
   <p:defaultTextStyle>
@@ -791,6 +794,303 @@
 </p:notes>
 </file>
 
+<file path=ppt/notesSlides/notesSlide10.xml><?xml version="1.0" encoding="utf-8"?>
+<p:notes xmlns:a="http://schemas.openxmlformats.org/drawingml/2006/main" xmlns:r="http://schemas.openxmlformats.org/officeDocument/2006/relationships" xmlns:mc="http://schemas.openxmlformats.org/markup-compatibility/2006" xmlns:mv="urn:schemas-microsoft-com:mac:vml" xmlns:p="http://schemas.openxmlformats.org/presentationml/2006/main" xmlns:c="http://schemas.openxmlformats.org/drawingml/2006/chart" xmlns:dgm="http://schemas.openxmlformats.org/drawingml/2006/diagram" xmlns:o="urn:schemas-microsoft-com:office:office" xmlns:v="urn:schemas-microsoft-com:vml" xmlns:pvml="urn:schemas-microsoft-com:office:powerpoint" xmlns:com="http://schemas.openxmlformats.org/drawingml/2006/compatibility" xmlns:p14="http://schemas.microsoft.com/office/powerpoint/2010/main" xmlns:p15="http://schemas.microsoft.com/office/powerpoint/2012/main" showMasterPhAnim="0" showMasterSp="0">
+  <p:cSld>
+    <p:spTree>
+      <p:nvGrpSpPr>
+        <p:cNvPr id="271" name="Shape 271"/>
+        <p:cNvGrpSpPr/>
+        <p:nvPr/>
+      </p:nvGrpSpPr>
+      <p:grpSpPr>
+        <a:xfrm>
+          <a:off x="0" y="0"/>
+          <a:ext cx="0" cy="0"/>
+          <a:chOff x="0" y="0"/>
+          <a:chExt cx="0" cy="0"/>
+        </a:xfrm>
+      </p:grpSpPr>
+      <p:sp>
+        <p:nvSpPr>
+          <p:cNvPr id="272" name="Google Shape;272;g6c12641c3f_0_10:notes"/>
+          <p:cNvSpPr/>
+          <p:nvPr>
+            <p:ph idx="2" type="sldImg"/>
+          </p:nvPr>
+        </p:nvSpPr>
+        <p:spPr>
+          <a:xfrm>
+            <a:off x="381300" y="685800"/>
+            <a:ext cx="6096000" cy="3429000"/>
+          </a:xfrm>
+          <a:custGeom>
+            <a:rect b="b" l="l" r="r" t="t"/>
+            <a:pathLst>
+              <a:path extrusionOk="0" h="120000" w="120000">
+                <a:moveTo>
+                  <a:pt x="0" y="0"/>
+                </a:moveTo>
+                <a:lnTo>
+                  <a:pt x="120000" y="0"/>
+                </a:lnTo>
+                <a:lnTo>
+                  <a:pt x="120000" y="120000"/>
+                </a:lnTo>
+                <a:lnTo>
+                  <a:pt x="0" y="120000"/>
+                </a:lnTo>
+                <a:close/>
+              </a:path>
+            </a:pathLst>
+          </a:custGeom>
+        </p:spPr>
+      </p:sp>
+      <p:sp>
+        <p:nvSpPr>
+          <p:cNvPr id="273" name="Google Shape;273;g6c12641c3f_0_10:notes"/>
+          <p:cNvSpPr txBox="1"/>
+          <p:nvPr>
+            <p:ph idx="1" type="body"/>
+          </p:nvPr>
+        </p:nvSpPr>
+        <p:spPr>
+          <a:xfrm>
+            <a:off x="685800" y="4343400"/>
+            <a:ext cx="5486400" cy="4114800"/>
+          </a:xfrm>
+          <a:prstGeom prst="rect">
+            <a:avLst/>
+          </a:prstGeom>
+        </p:spPr>
+        <p:txBody>
+          <a:bodyPr anchorCtr="0" anchor="t" bIns="91425" lIns="91425" spcFirstLastPara="1" rIns="91425" wrap="square" tIns="91425">
+            <a:noAutofit/>
+          </a:bodyPr>
+          <a:lstStyle/>
+          <a:p>
+            <a:pPr indent="0" lvl="0" marL="0" rtl="0" algn="l">
+              <a:spcBef>
+                <a:spcPts val="0"/>
+              </a:spcBef>
+              <a:spcAft>
+                <a:spcPts val="0"/>
+              </a:spcAft>
+              <a:buNone/>
+            </a:pPr>
+            <a:r>
+              <a:t/>
+            </a:r>
+            <a:endParaRPr/>
+          </a:p>
+        </p:txBody>
+      </p:sp>
+    </p:spTree>
+  </p:cSld>
+  <p:clrMapOvr>
+    <a:masterClrMapping/>
+  </p:clrMapOvr>
+</p:notes>
+</file>
+
+<file path=ppt/notesSlides/notesSlide11.xml><?xml version="1.0" encoding="utf-8"?>
+<p:notes xmlns:a="http://schemas.openxmlformats.org/drawingml/2006/main" xmlns:r="http://schemas.openxmlformats.org/officeDocument/2006/relationships" xmlns:mc="http://schemas.openxmlformats.org/markup-compatibility/2006" xmlns:mv="urn:schemas-microsoft-com:mac:vml" xmlns:p="http://schemas.openxmlformats.org/presentationml/2006/main" xmlns:c="http://schemas.openxmlformats.org/drawingml/2006/chart" xmlns:dgm="http://schemas.openxmlformats.org/drawingml/2006/diagram" xmlns:o="urn:schemas-microsoft-com:office:office" xmlns:v="urn:schemas-microsoft-com:vml" xmlns:pvml="urn:schemas-microsoft-com:office:powerpoint" xmlns:com="http://schemas.openxmlformats.org/drawingml/2006/compatibility" xmlns:p14="http://schemas.microsoft.com/office/powerpoint/2010/main" xmlns:p15="http://schemas.microsoft.com/office/powerpoint/2012/main" showMasterPhAnim="0" showMasterSp="0">
+  <p:cSld>
+    <p:spTree>
+      <p:nvGrpSpPr>
+        <p:cNvPr id="278" name="Shape 278"/>
+        <p:cNvGrpSpPr/>
+        <p:nvPr/>
+      </p:nvGrpSpPr>
+      <p:grpSpPr>
+        <a:xfrm>
+          <a:off x="0" y="0"/>
+          <a:ext cx="0" cy="0"/>
+          <a:chOff x="0" y="0"/>
+          <a:chExt cx="0" cy="0"/>
+        </a:xfrm>
+      </p:grpSpPr>
+      <p:sp>
+        <p:nvSpPr>
+          <p:cNvPr id="279" name="Google Shape;279;g6c12641c3f_0_16:notes"/>
+          <p:cNvSpPr/>
+          <p:nvPr>
+            <p:ph idx="2" type="sldImg"/>
+          </p:nvPr>
+        </p:nvSpPr>
+        <p:spPr>
+          <a:xfrm>
+            <a:off x="381300" y="685800"/>
+            <a:ext cx="6096000" cy="3429000"/>
+          </a:xfrm>
+          <a:custGeom>
+            <a:rect b="b" l="l" r="r" t="t"/>
+            <a:pathLst>
+              <a:path extrusionOk="0" h="120000" w="120000">
+                <a:moveTo>
+                  <a:pt x="0" y="0"/>
+                </a:moveTo>
+                <a:lnTo>
+                  <a:pt x="120000" y="0"/>
+                </a:lnTo>
+                <a:lnTo>
+                  <a:pt x="120000" y="120000"/>
+                </a:lnTo>
+                <a:lnTo>
+                  <a:pt x="0" y="120000"/>
+                </a:lnTo>
+                <a:close/>
+              </a:path>
+            </a:pathLst>
+          </a:custGeom>
+        </p:spPr>
+      </p:sp>
+      <p:sp>
+        <p:nvSpPr>
+          <p:cNvPr id="280" name="Google Shape;280;g6c12641c3f_0_16:notes"/>
+          <p:cNvSpPr txBox="1"/>
+          <p:nvPr>
+            <p:ph idx="1" type="body"/>
+          </p:nvPr>
+        </p:nvSpPr>
+        <p:spPr>
+          <a:xfrm>
+            <a:off x="685800" y="4343400"/>
+            <a:ext cx="5486400" cy="4114800"/>
+          </a:xfrm>
+          <a:prstGeom prst="rect">
+            <a:avLst/>
+          </a:prstGeom>
+        </p:spPr>
+        <p:txBody>
+          <a:bodyPr anchorCtr="0" anchor="t" bIns="91425" lIns="91425" spcFirstLastPara="1" rIns="91425" wrap="square" tIns="91425">
+            <a:noAutofit/>
+          </a:bodyPr>
+          <a:lstStyle/>
+          <a:p>
+            <a:pPr indent="0" lvl="0" marL="0" rtl="0" algn="l">
+              <a:spcBef>
+                <a:spcPts val="0"/>
+              </a:spcBef>
+              <a:spcAft>
+                <a:spcPts val="0"/>
+              </a:spcAft>
+              <a:buNone/>
+            </a:pPr>
+            <a:r>
+              <a:t/>
+            </a:r>
+            <a:endParaRPr/>
+          </a:p>
+        </p:txBody>
+      </p:sp>
+    </p:spTree>
+  </p:cSld>
+  <p:clrMapOvr>
+    <a:masterClrMapping/>
+  </p:clrMapOvr>
+</p:notes>
+</file>
+
+<file path=ppt/notesSlides/notesSlide12.xml><?xml version="1.0" encoding="utf-8"?>
+<p:notes xmlns:a="http://schemas.openxmlformats.org/drawingml/2006/main" xmlns:r="http://schemas.openxmlformats.org/officeDocument/2006/relationships" xmlns:mc="http://schemas.openxmlformats.org/markup-compatibility/2006" xmlns:mv="urn:schemas-microsoft-com:mac:vml" xmlns:p="http://schemas.openxmlformats.org/presentationml/2006/main" xmlns:c="http://schemas.openxmlformats.org/drawingml/2006/chart" xmlns:dgm="http://schemas.openxmlformats.org/drawingml/2006/diagram" xmlns:o="urn:schemas-microsoft-com:office:office" xmlns:v="urn:schemas-microsoft-com:vml" xmlns:pvml="urn:schemas-microsoft-com:office:powerpoint" xmlns:com="http://schemas.openxmlformats.org/drawingml/2006/compatibility" xmlns:p14="http://schemas.microsoft.com/office/powerpoint/2010/main" xmlns:p15="http://schemas.microsoft.com/office/powerpoint/2012/main" showMasterPhAnim="0" showMasterSp="0">
+  <p:cSld>
+    <p:spTree>
+      <p:nvGrpSpPr>
+        <p:cNvPr id="287" name="Shape 287"/>
+        <p:cNvGrpSpPr/>
+        <p:nvPr/>
+      </p:nvGrpSpPr>
+      <p:grpSpPr>
+        <a:xfrm>
+          <a:off x="0" y="0"/>
+          <a:ext cx="0" cy="0"/>
+          <a:chOff x="0" y="0"/>
+          <a:chExt cx="0" cy="0"/>
+        </a:xfrm>
+      </p:grpSpPr>
+      <p:sp>
+        <p:nvSpPr>
+          <p:cNvPr id="288" name="Google Shape;288;g6c12641c3f_0_13:notes"/>
+          <p:cNvSpPr/>
+          <p:nvPr>
+            <p:ph idx="2" type="sldImg"/>
+          </p:nvPr>
+        </p:nvSpPr>
+        <p:spPr>
+          <a:xfrm>
+            <a:off x="381300" y="685800"/>
+            <a:ext cx="6096000" cy="3429000"/>
+          </a:xfrm>
+          <a:custGeom>
+            <a:rect b="b" l="l" r="r" t="t"/>
+            <a:pathLst>
+              <a:path extrusionOk="0" h="120000" w="120000">
+                <a:moveTo>
+                  <a:pt x="0" y="0"/>
+                </a:moveTo>
+                <a:lnTo>
+                  <a:pt x="120000" y="0"/>
+                </a:lnTo>
+                <a:lnTo>
+                  <a:pt x="120000" y="120000"/>
+                </a:lnTo>
+                <a:lnTo>
+                  <a:pt x="0" y="120000"/>
+                </a:lnTo>
+                <a:close/>
+              </a:path>
+            </a:pathLst>
+          </a:custGeom>
+        </p:spPr>
+      </p:sp>
+      <p:sp>
+        <p:nvSpPr>
+          <p:cNvPr id="289" name="Google Shape;289;g6c12641c3f_0_13:notes"/>
+          <p:cNvSpPr txBox="1"/>
+          <p:nvPr>
+            <p:ph idx="1" type="body"/>
+          </p:nvPr>
+        </p:nvSpPr>
+        <p:spPr>
+          <a:xfrm>
+            <a:off x="685800" y="4343400"/>
+            <a:ext cx="5486400" cy="4114800"/>
+          </a:xfrm>
+          <a:prstGeom prst="rect">
+            <a:avLst/>
+          </a:prstGeom>
+        </p:spPr>
+        <p:txBody>
+          <a:bodyPr anchorCtr="0" anchor="t" bIns="91425" lIns="91425" spcFirstLastPara="1" rIns="91425" wrap="square" tIns="91425">
+            <a:noAutofit/>
+          </a:bodyPr>
+          <a:lstStyle/>
+          <a:p>
+            <a:pPr indent="0" lvl="0" marL="0" rtl="0" algn="l">
+              <a:spcBef>
+                <a:spcPts val="0"/>
+              </a:spcBef>
+              <a:spcAft>
+                <a:spcPts val="0"/>
+              </a:spcAft>
+              <a:buNone/>
+            </a:pPr>
+            <a:r>
+              <a:t/>
+            </a:r>
+            <a:endParaRPr/>
+          </a:p>
+        </p:txBody>
+      </p:sp>
+    </p:spTree>
+  </p:cSld>
+  <p:clrMapOvr>
+    <a:masterClrMapping/>
+  </p:clrMapOvr>
+</p:notes>
+</file>
+
 <file path=ppt/notesSlides/notesSlide2.xml><?xml version="1.0" encoding="utf-8"?>
 <p:notes xmlns:a="http://schemas.openxmlformats.org/drawingml/2006/main" xmlns:r="http://schemas.openxmlformats.org/officeDocument/2006/relationships" xmlns:mc="http://schemas.openxmlformats.org/markup-compatibility/2006" xmlns:mv="urn:schemas-microsoft-com:mac:vml" xmlns:p="http://schemas.openxmlformats.org/presentationml/2006/main" xmlns:c="http://schemas.openxmlformats.org/drawingml/2006/chart" xmlns:dgm="http://schemas.openxmlformats.org/drawingml/2006/diagram" xmlns:o="urn:schemas-microsoft-com:office:office" xmlns:v="urn:schemas-microsoft-com:vml" xmlns:pvml="urn:schemas-microsoft-com:office:powerpoint" xmlns:com="http://schemas.openxmlformats.org/drawingml/2006/compatibility" xmlns:p14="http://schemas.microsoft.com/office/powerpoint/2010/main" xmlns:p15="http://schemas.microsoft.com/office/powerpoint/2012/main" showMasterPhAnim="0" showMasterSp="0">
   <p:cSld>
@@ -895,7 +1195,7 @@
   <p:cSld>
     <p:spTree>
       <p:nvGrpSpPr>
-        <p:cNvPr id="202" name="Shape 202"/>
+        <p:cNvPr id="209" name="Shape 209"/>
         <p:cNvGrpSpPr/>
         <p:nvPr/>
       </p:nvGrpSpPr>
@@ -909,7 +1209,7 @@
       </p:grpSpPr>
       <p:sp>
         <p:nvSpPr>
-          <p:cNvPr id="203" name="Google Shape;203;g6c12641c3f_0_1:notes"/>
+          <p:cNvPr id="210" name="Google Shape;210;g6c12641c3f_2_13:notes"/>
           <p:cNvSpPr/>
           <p:nvPr>
             <p:ph idx="2" type="sldImg"/>
@@ -944,7 +1244,7 @@
       </p:sp>
       <p:sp>
         <p:nvSpPr>
-          <p:cNvPr id="204" name="Google Shape;204;g6c12641c3f_0_1:notes"/>
+          <p:cNvPr id="211" name="Google Shape;211;g6c12641c3f_2_13:notes"/>
           <p:cNvSpPr txBox="1"/>
           <p:nvPr>
             <p:ph idx="1" type="body"/>
@@ -994,7 +1294,7 @@
   <p:cSld>
     <p:spTree>
       <p:nvGrpSpPr>
-        <p:cNvPr id="206" name="Shape 206"/>
+        <p:cNvPr id="222" name="Shape 222"/>
         <p:cNvGrpSpPr/>
         <p:nvPr/>
       </p:nvGrpSpPr>
@@ -1008,7 +1308,7 @@
       </p:grpSpPr>
       <p:sp>
         <p:nvSpPr>
-          <p:cNvPr id="207" name="Google Shape;207;g6c12641c3f_0_4:notes"/>
+          <p:cNvPr id="223" name="Google Shape;223;g6c12641c3f_0_1:notes"/>
           <p:cNvSpPr/>
           <p:nvPr>
             <p:ph idx="2" type="sldImg"/>
@@ -1043,7 +1343,7 @@
       </p:sp>
       <p:sp>
         <p:nvSpPr>
-          <p:cNvPr id="208" name="Google Shape;208;g6c12641c3f_0_4:notes"/>
+          <p:cNvPr id="224" name="Google Shape;224;g6c12641c3f_0_1:notes"/>
           <p:cNvSpPr txBox="1"/>
           <p:nvPr>
             <p:ph idx="1" type="body"/>
@@ -1093,7 +1393,7 @@
   <p:cSld>
     <p:spTree>
       <p:nvGrpSpPr>
-        <p:cNvPr id="210" name="Shape 210"/>
+        <p:cNvPr id="232" name="Shape 232"/>
         <p:cNvGrpSpPr/>
         <p:nvPr/>
       </p:nvGrpSpPr>
@@ -1107,7 +1407,7 @@
       </p:grpSpPr>
       <p:sp>
         <p:nvSpPr>
-          <p:cNvPr id="211" name="Google Shape;211;g6c12641c3f_0_7:notes"/>
+          <p:cNvPr id="233" name="Google Shape;233;g6c12641c3f_0_4:notes"/>
           <p:cNvSpPr/>
           <p:nvPr>
             <p:ph idx="2" type="sldImg"/>
@@ -1142,7 +1442,7 @@
       </p:sp>
       <p:sp>
         <p:nvSpPr>
-          <p:cNvPr id="212" name="Google Shape;212;g6c12641c3f_0_7:notes"/>
+          <p:cNvPr id="234" name="Google Shape;234;g6c12641c3f_0_4:notes"/>
           <p:cNvSpPr txBox="1"/>
           <p:nvPr>
             <p:ph idx="1" type="body"/>
@@ -1192,7 +1492,7 @@
   <p:cSld>
     <p:spTree>
       <p:nvGrpSpPr>
-        <p:cNvPr id="214" name="Shape 214"/>
+        <p:cNvPr id="238" name="Shape 238"/>
         <p:cNvGrpSpPr/>
         <p:nvPr/>
       </p:nvGrpSpPr>
@@ -1206,7 +1506,7 @@
       </p:grpSpPr>
       <p:sp>
         <p:nvSpPr>
-          <p:cNvPr id="215" name="Google Shape;215;g6c12641c3f_0_19:notes"/>
+          <p:cNvPr id="239" name="Google Shape;239;g6c12641c3f_0_7:notes"/>
           <p:cNvSpPr/>
           <p:nvPr>
             <p:ph idx="2" type="sldImg"/>
@@ -1241,7 +1541,7 @@
       </p:sp>
       <p:sp>
         <p:nvSpPr>
-          <p:cNvPr id="216" name="Google Shape;216;g6c12641c3f_0_19:notes"/>
+          <p:cNvPr id="240" name="Google Shape;240;g6c12641c3f_0_7:notes"/>
           <p:cNvSpPr txBox="1"/>
           <p:nvPr>
             <p:ph idx="1" type="body"/>
@@ -1291,7 +1591,7 @@
   <p:cSld>
     <p:spTree>
       <p:nvGrpSpPr>
-        <p:cNvPr id="219" name="Shape 219"/>
+        <p:cNvPr id="249" name="Shape 249"/>
         <p:cNvGrpSpPr/>
         <p:nvPr/>
       </p:nvGrpSpPr>
@@ -1305,7 +1605,7 @@
       </p:grpSpPr>
       <p:sp>
         <p:nvSpPr>
-          <p:cNvPr id="220" name="Google Shape;220;g6c12641c3f_0_10:notes"/>
+          <p:cNvPr id="250" name="Google Shape;250;g6c12641c3f_2_55:notes"/>
           <p:cNvSpPr/>
           <p:nvPr>
             <p:ph idx="2" type="sldImg"/>
@@ -1340,7 +1640,7 @@
       </p:sp>
       <p:sp>
         <p:nvSpPr>
-          <p:cNvPr id="221" name="Google Shape;221;g6c12641c3f_0_10:notes"/>
+          <p:cNvPr id="251" name="Google Shape;251;g6c12641c3f_2_55:notes"/>
           <p:cNvSpPr txBox="1"/>
           <p:nvPr>
             <p:ph idx="1" type="body"/>
@@ -1390,7 +1690,7 @@
   <p:cSld>
     <p:spTree>
       <p:nvGrpSpPr>
-        <p:cNvPr id="225" name="Shape 225"/>
+        <p:cNvPr id="256" name="Shape 256"/>
         <p:cNvGrpSpPr/>
         <p:nvPr/>
       </p:nvGrpSpPr>
@@ -1404,7 +1704,7 @@
       </p:grpSpPr>
       <p:sp>
         <p:nvSpPr>
-          <p:cNvPr id="226" name="Google Shape;226;g6c12641c3f_0_16:notes"/>
+          <p:cNvPr id="257" name="Google Shape;257;g6c12641c3f_2_62:notes"/>
           <p:cNvSpPr/>
           <p:nvPr>
             <p:ph idx="2" type="sldImg"/>
@@ -1439,7 +1739,7 @@
       </p:sp>
       <p:sp>
         <p:nvSpPr>
-          <p:cNvPr id="227" name="Google Shape;227;g6c12641c3f_0_16:notes"/>
+          <p:cNvPr id="258" name="Google Shape;258;g6c12641c3f_2_62:notes"/>
           <p:cNvSpPr txBox="1"/>
           <p:nvPr>
             <p:ph idx="1" type="body"/>
@@ -1489,7 +1789,7 @@
   <p:cSld>
     <p:spTree>
       <p:nvGrpSpPr>
-        <p:cNvPr id="234" name="Shape 234"/>
+        <p:cNvPr id="266" name="Shape 266"/>
         <p:cNvGrpSpPr/>
         <p:nvPr/>
       </p:nvGrpSpPr>
@@ -1503,7 +1803,7 @@
       </p:grpSpPr>
       <p:sp>
         <p:nvSpPr>
-          <p:cNvPr id="235" name="Google Shape;235;g6c12641c3f_0_13:notes"/>
+          <p:cNvPr id="267" name="Google Shape;267;g6c12641c3f_0_19:notes"/>
           <p:cNvSpPr/>
           <p:nvPr>
             <p:ph idx="2" type="sldImg"/>
@@ -1538,7 +1838,7 @@
       </p:sp>
       <p:sp>
         <p:nvSpPr>
-          <p:cNvPr id="236" name="Google Shape;236;g6c12641c3f_0_13:notes"/>
+          <p:cNvPr id="268" name="Google Shape;268;g6c12641c3f_0_19:notes"/>
           <p:cNvSpPr txBox="1"/>
           <p:nvPr>
             <p:ph idx="1" type="body"/>
@@ -13455,193 +13755,12 @@
 </p:sld>
 </file>
 
-<file path=ppt/slides/slide2.xml><?xml version="1.0" encoding="utf-8"?>
+<file path=ppt/slides/slide10.xml><?xml version="1.0" encoding="utf-8"?>
 <p:sld xmlns:a="http://schemas.openxmlformats.org/drawingml/2006/main" xmlns:r="http://schemas.openxmlformats.org/officeDocument/2006/relationships" xmlns:mc="http://schemas.openxmlformats.org/markup-compatibility/2006" xmlns:mv="urn:schemas-microsoft-com:mac:vml" xmlns:p="http://schemas.openxmlformats.org/presentationml/2006/main" xmlns:c="http://schemas.openxmlformats.org/drawingml/2006/chart" xmlns:dgm="http://schemas.openxmlformats.org/drawingml/2006/diagram" xmlns:o="urn:schemas-microsoft-com:office:office" xmlns:v="urn:schemas-microsoft-com:vml" xmlns:pvml="urn:schemas-microsoft-com:office:powerpoint" xmlns:com="http://schemas.openxmlformats.org/drawingml/2006/compatibility" xmlns:p14="http://schemas.microsoft.com/office/powerpoint/2010/main" xmlns:p15="http://schemas.microsoft.com/office/powerpoint/2012/main">
   <p:cSld>
     <p:spTree>
       <p:nvGrpSpPr>
-        <p:cNvPr id="200" name="Shape 200"/>
-        <p:cNvGrpSpPr/>
-        <p:nvPr/>
-      </p:nvGrpSpPr>
-      <p:grpSpPr>
-        <a:xfrm>
-          <a:off x="0" y="0"/>
-          <a:ext cx="0" cy="0"/>
-          <a:chOff x="0" y="0"/>
-          <a:chExt cx="0" cy="0"/>
-        </a:xfrm>
-      </p:grpSpPr>
-      <p:pic>
-        <p:nvPicPr>
-          <p:cNvPr id="201" name="Google Shape;201;p15"/>
-          <p:cNvPicPr preferRelativeResize="0"/>
-          <p:nvPr/>
-        </p:nvPicPr>
-        <p:blipFill>
-          <a:blip r:embed="rId3">
-            <a:alphaModFix/>
-          </a:blip>
-          <a:stretch>
-            <a:fillRect/>
-          </a:stretch>
-        </p:blipFill>
-        <p:spPr>
-          <a:xfrm>
-            <a:off x="4988075" y="895775"/>
-            <a:ext cx="3346675" cy="2955625"/>
-          </a:xfrm>
-          <a:prstGeom prst="rect">
-            <a:avLst/>
-          </a:prstGeom>
-          <a:noFill/>
-          <a:ln>
-            <a:noFill/>
-          </a:ln>
-        </p:spPr>
-      </p:pic>
-    </p:spTree>
-  </p:cSld>
-  <p:clrMapOvr>
-    <a:masterClrMapping/>
-  </p:clrMapOvr>
-</p:sld>
-</file>
-
-<file path=ppt/slides/slide3.xml><?xml version="1.0" encoding="utf-8"?>
-<p:sld xmlns:a="http://schemas.openxmlformats.org/drawingml/2006/main" xmlns:r="http://schemas.openxmlformats.org/officeDocument/2006/relationships" xmlns:mc="http://schemas.openxmlformats.org/markup-compatibility/2006" xmlns:mv="urn:schemas-microsoft-com:mac:vml" xmlns:p="http://schemas.openxmlformats.org/presentationml/2006/main" xmlns:c="http://schemas.openxmlformats.org/drawingml/2006/chart" xmlns:dgm="http://schemas.openxmlformats.org/drawingml/2006/diagram" xmlns:o="urn:schemas-microsoft-com:office:office" xmlns:v="urn:schemas-microsoft-com:vml" xmlns:pvml="urn:schemas-microsoft-com:office:powerpoint" xmlns:com="http://schemas.openxmlformats.org/drawingml/2006/compatibility" xmlns:p14="http://schemas.microsoft.com/office/powerpoint/2010/main" xmlns:p15="http://schemas.microsoft.com/office/powerpoint/2012/main">
-  <p:cSld>
-    <p:spTree>
-      <p:nvGrpSpPr>
-        <p:cNvPr id="205" name="Shape 205"/>
-        <p:cNvGrpSpPr/>
-        <p:nvPr/>
-      </p:nvGrpSpPr>
-      <p:grpSpPr>
-        <a:xfrm>
-          <a:off x="0" y="0"/>
-          <a:ext cx="0" cy="0"/>
-          <a:chOff x="0" y="0"/>
-          <a:chExt cx="0" cy="0"/>
-        </a:xfrm>
-      </p:grpSpPr>
-    </p:spTree>
-  </p:cSld>
-  <p:clrMapOvr>
-    <a:masterClrMapping/>
-  </p:clrMapOvr>
-</p:sld>
-</file>
-
-<file path=ppt/slides/slide4.xml><?xml version="1.0" encoding="utf-8"?>
-<p:sld xmlns:a="http://schemas.openxmlformats.org/drawingml/2006/main" xmlns:r="http://schemas.openxmlformats.org/officeDocument/2006/relationships" xmlns:mc="http://schemas.openxmlformats.org/markup-compatibility/2006" xmlns:mv="urn:schemas-microsoft-com:mac:vml" xmlns:p="http://schemas.openxmlformats.org/presentationml/2006/main" xmlns:c="http://schemas.openxmlformats.org/drawingml/2006/chart" xmlns:dgm="http://schemas.openxmlformats.org/drawingml/2006/diagram" xmlns:o="urn:schemas-microsoft-com:office:office" xmlns:v="urn:schemas-microsoft-com:vml" xmlns:pvml="urn:schemas-microsoft-com:office:powerpoint" xmlns:com="http://schemas.openxmlformats.org/drawingml/2006/compatibility" xmlns:p14="http://schemas.microsoft.com/office/powerpoint/2010/main" xmlns:p15="http://schemas.microsoft.com/office/powerpoint/2012/main">
-  <p:cSld>
-    <p:spTree>
-      <p:nvGrpSpPr>
-        <p:cNvPr id="209" name="Shape 209"/>
-        <p:cNvGrpSpPr/>
-        <p:nvPr/>
-      </p:nvGrpSpPr>
-      <p:grpSpPr>
-        <a:xfrm>
-          <a:off x="0" y="0"/>
-          <a:ext cx="0" cy="0"/>
-          <a:chOff x="0" y="0"/>
-          <a:chExt cx="0" cy="0"/>
-        </a:xfrm>
-      </p:grpSpPr>
-    </p:spTree>
-  </p:cSld>
-  <p:clrMapOvr>
-    <a:masterClrMapping/>
-  </p:clrMapOvr>
-</p:sld>
-</file>
-
-<file path=ppt/slides/slide5.xml><?xml version="1.0" encoding="utf-8"?>
-<p:sld xmlns:a="http://schemas.openxmlformats.org/drawingml/2006/main" xmlns:r="http://schemas.openxmlformats.org/officeDocument/2006/relationships" xmlns:mc="http://schemas.openxmlformats.org/markup-compatibility/2006" xmlns:mv="urn:schemas-microsoft-com:mac:vml" xmlns:p="http://schemas.openxmlformats.org/presentationml/2006/main" xmlns:c="http://schemas.openxmlformats.org/drawingml/2006/chart" xmlns:dgm="http://schemas.openxmlformats.org/drawingml/2006/diagram" xmlns:o="urn:schemas-microsoft-com:office:office" xmlns:v="urn:schemas-microsoft-com:vml" xmlns:pvml="urn:schemas-microsoft-com:office:powerpoint" xmlns:com="http://schemas.openxmlformats.org/drawingml/2006/compatibility" xmlns:p14="http://schemas.microsoft.com/office/powerpoint/2010/main" xmlns:p15="http://schemas.microsoft.com/office/powerpoint/2012/main">
-  <p:cSld>
-    <p:spTree>
-      <p:nvGrpSpPr>
-        <p:cNvPr id="213" name="Shape 213"/>
-        <p:cNvGrpSpPr/>
-        <p:nvPr/>
-      </p:nvGrpSpPr>
-      <p:grpSpPr>
-        <a:xfrm>
-          <a:off x="0" y="0"/>
-          <a:ext cx="0" cy="0"/>
-          <a:chOff x="0" y="0"/>
-          <a:chExt cx="0" cy="0"/>
-        </a:xfrm>
-      </p:grpSpPr>
-    </p:spTree>
-  </p:cSld>
-  <p:clrMapOvr>
-    <a:masterClrMapping/>
-  </p:clrMapOvr>
-</p:sld>
-</file>
-
-<file path=ppt/slides/slide6.xml><?xml version="1.0" encoding="utf-8"?>
-<p:sld xmlns:a="http://schemas.openxmlformats.org/drawingml/2006/main" xmlns:r="http://schemas.openxmlformats.org/officeDocument/2006/relationships" xmlns:mc="http://schemas.openxmlformats.org/markup-compatibility/2006" xmlns:mv="urn:schemas-microsoft-com:mac:vml" xmlns:p="http://schemas.openxmlformats.org/presentationml/2006/main" xmlns:c="http://schemas.openxmlformats.org/drawingml/2006/chart" xmlns:dgm="http://schemas.openxmlformats.org/drawingml/2006/diagram" xmlns:o="urn:schemas-microsoft-com:office:office" xmlns:v="urn:schemas-microsoft-com:vml" xmlns:pvml="urn:schemas-microsoft-com:office:powerpoint" xmlns:com="http://schemas.openxmlformats.org/drawingml/2006/compatibility" xmlns:p14="http://schemas.microsoft.com/office/powerpoint/2010/main" xmlns:p15="http://schemas.microsoft.com/office/powerpoint/2012/main">
-  <p:cSld>
-    <p:spTree>
-      <p:nvGrpSpPr>
-        <p:cNvPr id="217" name="Shape 217"/>
-        <p:cNvGrpSpPr/>
-        <p:nvPr/>
-      </p:nvGrpSpPr>
-      <p:grpSpPr>
-        <a:xfrm>
-          <a:off x="0" y="0"/>
-          <a:ext cx="0" cy="0"/>
-          <a:chOff x="0" y="0"/>
-          <a:chExt cx="0" cy="0"/>
-        </a:xfrm>
-      </p:grpSpPr>
-      <p:pic>
-        <p:nvPicPr>
-          <p:cNvPr id="218" name="Google Shape;218;p19"/>
-          <p:cNvPicPr preferRelativeResize="0"/>
-          <p:nvPr/>
-        </p:nvPicPr>
-        <p:blipFill>
-          <a:blip r:embed="rId3">
-            <a:alphaModFix/>
-          </a:blip>
-          <a:stretch>
-            <a:fillRect/>
-          </a:stretch>
-        </p:blipFill>
-        <p:spPr>
-          <a:xfrm>
-            <a:off x="152400" y="152400"/>
-            <a:ext cx="5735671" cy="4838701"/>
-          </a:xfrm>
-          <a:prstGeom prst="rect">
-            <a:avLst/>
-          </a:prstGeom>
-          <a:noFill/>
-          <a:ln>
-            <a:noFill/>
-          </a:ln>
-        </p:spPr>
-      </p:pic>
-    </p:spTree>
-  </p:cSld>
-  <p:clrMapOvr>
-    <a:masterClrMapping/>
-  </p:clrMapOvr>
-</p:sld>
-</file>
-
-<file path=ppt/slides/slide7.xml><?xml version="1.0" encoding="utf-8"?>
-<p:sld xmlns:a="http://schemas.openxmlformats.org/drawingml/2006/main" xmlns:r="http://schemas.openxmlformats.org/officeDocument/2006/relationships" xmlns:mc="http://schemas.openxmlformats.org/markup-compatibility/2006" xmlns:mv="urn:schemas-microsoft-com:mac:vml" xmlns:p="http://schemas.openxmlformats.org/presentationml/2006/main" xmlns:c="http://schemas.openxmlformats.org/drawingml/2006/chart" xmlns:dgm="http://schemas.openxmlformats.org/drawingml/2006/diagram" xmlns:o="urn:schemas-microsoft-com:office:office" xmlns:v="urn:schemas-microsoft-com:vml" xmlns:pvml="urn:schemas-microsoft-com:office:powerpoint" xmlns:com="http://schemas.openxmlformats.org/drawingml/2006/compatibility" xmlns:p14="http://schemas.microsoft.com/office/powerpoint/2010/main" xmlns:p15="http://schemas.microsoft.com/office/powerpoint/2012/main">
-  <p:cSld>
-    <p:spTree>
-      <p:nvGrpSpPr>
-        <p:cNvPr id="222" name="Shape 222"/>
+        <p:cNvPr id="274" name="Shape 274"/>
         <p:cNvGrpSpPr/>
         <p:nvPr/>
       </p:nvGrpSpPr>
@@ -13655,7 +13774,7 @@
       </p:grpSpPr>
       <p:sp>
         <p:nvSpPr>
-          <p:cNvPr id="223" name="Google Shape;223;p20"/>
+          <p:cNvPr id="275" name="Google Shape;275;p23"/>
           <p:cNvSpPr txBox="1"/>
           <p:nvPr/>
         </p:nvSpPr>
@@ -13769,14 +13888,14 @@
       </p:sp>
       <p:sp>
         <p:nvSpPr>
-          <p:cNvPr id="224" name="Google Shape;224;p20"/>
+          <p:cNvPr id="276" name="Google Shape;276;p23"/>
           <p:cNvSpPr txBox="1"/>
           <p:nvPr/>
         </p:nvSpPr>
         <p:spPr>
           <a:xfrm>
-            <a:off x="553750" y="1434075"/>
-            <a:ext cx="5565900" cy="1434000"/>
+            <a:off x="490300" y="3086100"/>
+            <a:ext cx="7716900" cy="1434000"/>
           </a:xfrm>
           <a:prstGeom prst="rect">
             <a:avLst/>
@@ -13802,17 +13921,173 @@
               <a:buNone/>
             </a:pPr>
             <a:r>
+              <a:rPr lang="ru">
+                <a:latin typeface="Roboto Slab"/>
+                <a:ea typeface="Roboto Slab"/>
+                <a:cs typeface="Roboto Slab"/>
+                <a:sym typeface="Roboto Slab"/>
+              </a:rPr>
+              <a:t>Для обработки необходимо:</a:t>
+            </a:r>
+            <a:endParaRPr>
+              <a:latin typeface="Roboto Slab"/>
+              <a:ea typeface="Roboto Slab"/>
+              <a:cs typeface="Roboto Slab"/>
+              <a:sym typeface="Roboto Slab"/>
+            </a:endParaRPr>
+          </a:p>
+          <a:p>
+            <a:pPr indent="-317500" lvl="0" marL="457200" rtl="0" algn="l">
+              <a:spcBef>
+                <a:spcPts val="0"/>
+              </a:spcBef>
+              <a:spcAft>
+                <a:spcPts val="0"/>
+              </a:spcAft>
+              <a:buSzPts val="1400"/>
+              <a:buFont typeface="Roboto Slab"/>
+              <a:buChar char="●"/>
+            </a:pPr>
+            <a:r>
+              <a:rPr lang="ru">
+                <a:latin typeface="Roboto Slab"/>
+                <a:ea typeface="Roboto Slab"/>
+                <a:cs typeface="Roboto Slab"/>
+                <a:sym typeface="Roboto Slab"/>
+              </a:rPr>
+              <a:t>Получить на спектре энергий значения </a:t>
+            </a:r>
+            <a:r>
+              <a:rPr lang="ru">
+                <a:latin typeface="Roboto Slab"/>
+                <a:ea typeface="Roboto Slab"/>
+                <a:cs typeface="Roboto Slab"/>
+                <a:sym typeface="Roboto Slab"/>
+              </a:rPr>
+              <a:t>коэффициентов рентгеновского поглощения(I).</a:t>
+            </a:r>
+            <a:endParaRPr>
+              <a:latin typeface="Roboto Slab"/>
+              <a:ea typeface="Roboto Slab"/>
+              <a:cs typeface="Roboto Slab"/>
+              <a:sym typeface="Roboto Slab"/>
+            </a:endParaRPr>
+          </a:p>
+          <a:p>
+            <a:pPr indent="-317500" lvl="0" marL="457200" rtl="0" algn="l">
+              <a:spcBef>
+                <a:spcPts val="0"/>
+              </a:spcBef>
+              <a:spcAft>
+                <a:spcPts val="0"/>
+              </a:spcAft>
+              <a:buSzPts val="1400"/>
+              <a:buFont typeface="Roboto Slab"/>
+              <a:buChar char="●"/>
+            </a:pPr>
+            <a:r>
+              <a:rPr lang="ru">
+                <a:latin typeface="Roboto Slab"/>
+                <a:ea typeface="Roboto Slab"/>
+                <a:cs typeface="Roboto Slab"/>
+                <a:sym typeface="Roboto Slab"/>
+              </a:rPr>
+              <a:t>Рассчитать разность значе</a:t>
+            </a:r>
+            <a:r>
+              <a:rPr lang="ru">
+                <a:latin typeface="Roboto Slab"/>
+                <a:ea typeface="Roboto Slab"/>
+                <a:cs typeface="Roboto Slab"/>
+                <a:sym typeface="Roboto Slab"/>
+              </a:rPr>
+              <a:t>ний, поляризованный по правому и левому кругу.</a:t>
+            </a:r>
+            <a:endParaRPr>
+              <a:latin typeface="Roboto Slab"/>
+              <a:ea typeface="Roboto Slab"/>
+              <a:cs typeface="Roboto Slab"/>
+              <a:sym typeface="Roboto Slab"/>
+            </a:endParaRPr>
+          </a:p>
+          <a:p>
+            <a:pPr indent="-317500" lvl="0" marL="457200" rtl="0" algn="l">
+              <a:spcBef>
+                <a:spcPts val="0"/>
+              </a:spcBef>
+              <a:spcAft>
+                <a:spcPts val="0"/>
+              </a:spcAft>
+              <a:buSzPts val="1400"/>
+              <a:buFont typeface="Roboto Slab"/>
+              <a:buChar char="●"/>
+            </a:pPr>
+            <a:r>
+              <a:rPr lang="ru">
+                <a:latin typeface="Roboto Slab"/>
+                <a:ea typeface="Roboto Slab"/>
+                <a:cs typeface="Roboto Slab"/>
+                <a:sym typeface="Roboto Slab"/>
+              </a:rPr>
+              <a:t>Найти зависимость и построить спектр. </a:t>
+            </a:r>
+            <a:endParaRPr>
+              <a:latin typeface="Roboto Slab"/>
+              <a:ea typeface="Roboto Slab"/>
+              <a:cs typeface="Roboto Slab"/>
+              <a:sym typeface="Roboto Slab"/>
+            </a:endParaRPr>
+          </a:p>
+          <a:p>
+            <a:pPr indent="457200" lvl="0" marL="0" rtl="0" algn="l">
+              <a:spcBef>
+                <a:spcPts val="0"/>
+              </a:spcBef>
+              <a:spcAft>
+                <a:spcPts val="0"/>
+              </a:spcAft>
+              <a:buNone/>
+            </a:pPr>
+            <a:r>
               <a:t/>
             </a:r>
             <a:endParaRPr>
-              <a:latin typeface="Roboto"/>
-              <a:ea typeface="Roboto"/>
-              <a:cs typeface="Roboto"/>
-              <a:sym typeface="Roboto"/>
+              <a:latin typeface="Roboto Slab"/>
+              <a:ea typeface="Roboto Slab"/>
+              <a:cs typeface="Roboto Slab"/>
+              <a:sym typeface="Roboto Slab"/>
             </a:endParaRPr>
           </a:p>
         </p:txBody>
       </p:sp>
+      <p:pic>
+        <p:nvPicPr>
+          <p:cNvPr id="277" name="Google Shape;277;p23"/>
+          <p:cNvPicPr preferRelativeResize="0"/>
+          <p:nvPr/>
+        </p:nvPicPr>
+        <p:blipFill>
+          <a:blip r:embed="rId3">
+            <a:alphaModFix/>
+          </a:blip>
+          <a:stretch>
+            <a:fillRect/>
+          </a:stretch>
+        </p:blipFill>
+        <p:spPr>
+          <a:xfrm>
+            <a:off x="437725" y="1137825"/>
+            <a:ext cx="4326900" cy="1948275"/>
+          </a:xfrm>
+          <a:prstGeom prst="rect">
+            <a:avLst/>
+          </a:prstGeom>
+          <a:noFill/>
+          <a:ln>
+            <a:noFill/>
+          </a:ln>
+        </p:spPr>
+      </p:pic>
     </p:spTree>
   </p:cSld>
   <p:clrMapOvr>
@@ -13821,12 +14096,12 @@
 </p:sld>
 </file>
 
-<file path=ppt/slides/slide8.xml><?xml version="1.0" encoding="utf-8"?>
+<file path=ppt/slides/slide11.xml><?xml version="1.0" encoding="utf-8"?>
 <p:sld xmlns:a="http://schemas.openxmlformats.org/drawingml/2006/main" xmlns:r="http://schemas.openxmlformats.org/officeDocument/2006/relationships" xmlns:mc="http://schemas.openxmlformats.org/markup-compatibility/2006" xmlns:mv="urn:schemas-microsoft-com:mac:vml" xmlns:p="http://schemas.openxmlformats.org/presentationml/2006/main" xmlns:c="http://schemas.openxmlformats.org/drawingml/2006/chart" xmlns:dgm="http://schemas.openxmlformats.org/drawingml/2006/diagram" xmlns:o="urn:schemas-microsoft-com:office:office" xmlns:v="urn:schemas-microsoft-com:vml" xmlns:pvml="urn:schemas-microsoft-com:office:powerpoint" xmlns:com="http://schemas.openxmlformats.org/drawingml/2006/compatibility" xmlns:p14="http://schemas.microsoft.com/office/powerpoint/2010/main" xmlns:p15="http://schemas.microsoft.com/office/powerpoint/2012/main">
   <p:cSld>
     <p:spTree>
       <p:nvGrpSpPr>
-        <p:cNvPr id="228" name="Shape 228"/>
+        <p:cNvPr id="281" name="Shape 281"/>
         <p:cNvGrpSpPr/>
         <p:nvPr/>
       </p:nvGrpSpPr>
@@ -13840,7 +14115,7 @@
       </p:grpSpPr>
       <p:sp>
         <p:nvSpPr>
-          <p:cNvPr id="229" name="Google Shape;229;p21"/>
+          <p:cNvPr id="282" name="Google Shape;282;p24"/>
           <p:cNvSpPr txBox="1"/>
           <p:nvPr/>
         </p:nvSpPr>
@@ -13892,7 +14167,7 @@
       </p:sp>
       <p:sp>
         <p:nvSpPr>
-          <p:cNvPr id="230" name="Google Shape;230;p21"/>
+          <p:cNvPr id="283" name="Google Shape;283;p24"/>
           <p:cNvSpPr txBox="1"/>
           <p:nvPr/>
         </p:nvSpPr>
@@ -13990,7 +14265,7 @@
       </p:sp>
       <p:sp>
         <p:nvSpPr>
-          <p:cNvPr id="231" name="Google Shape;231;p21"/>
+          <p:cNvPr id="284" name="Google Shape;284;p24"/>
           <p:cNvSpPr txBox="1"/>
           <p:nvPr/>
         </p:nvSpPr>
@@ -14134,7 +14409,7 @@
       </p:sp>
       <p:pic>
         <p:nvPicPr>
-          <p:cNvPr id="232" name="Google Shape;232;p21"/>
+          <p:cNvPr id="285" name="Google Shape;285;p24"/>
           <p:cNvPicPr preferRelativeResize="0"/>
           <p:nvPr/>
         </p:nvPicPr>
@@ -14162,7 +14437,7 @@
       </p:pic>
       <p:pic>
         <p:nvPicPr>
-          <p:cNvPr id="233" name="Google Shape;233;p21"/>
+          <p:cNvPr id="286" name="Google Shape;286;p24"/>
           <p:cNvPicPr preferRelativeResize="0"/>
           <p:nvPr/>
         </p:nvPicPr>
@@ -14196,12 +14471,12 @@
 </p:sld>
 </file>
 
-<file path=ppt/slides/slide9.xml><?xml version="1.0" encoding="utf-8"?>
+<file path=ppt/slides/slide12.xml><?xml version="1.0" encoding="utf-8"?>
 <p:sld xmlns:a="http://schemas.openxmlformats.org/drawingml/2006/main" xmlns:r="http://schemas.openxmlformats.org/officeDocument/2006/relationships" xmlns:mc="http://schemas.openxmlformats.org/markup-compatibility/2006" xmlns:mv="urn:schemas-microsoft-com:mac:vml" xmlns:p="http://schemas.openxmlformats.org/presentationml/2006/main" xmlns:c="http://schemas.openxmlformats.org/drawingml/2006/chart" xmlns:dgm="http://schemas.openxmlformats.org/drawingml/2006/diagram" xmlns:o="urn:schemas-microsoft-com:office:office" xmlns:v="urn:schemas-microsoft-com:vml" xmlns:pvml="urn:schemas-microsoft-com:office:powerpoint" xmlns:com="http://schemas.openxmlformats.org/drawingml/2006/compatibility" xmlns:p14="http://schemas.microsoft.com/office/powerpoint/2010/main" xmlns:p15="http://schemas.microsoft.com/office/powerpoint/2012/main">
   <p:cSld>
     <p:spTree>
       <p:nvGrpSpPr>
-        <p:cNvPr id="237" name="Shape 237"/>
+        <p:cNvPr id="290" name="Shape 290"/>
         <p:cNvGrpSpPr/>
         <p:nvPr/>
       </p:nvGrpSpPr>
@@ -14215,7 +14490,7 @@
       </p:grpSpPr>
       <p:sp>
         <p:nvSpPr>
-          <p:cNvPr id="238" name="Google Shape;238;p22"/>
+          <p:cNvPr id="291" name="Google Shape;291;p25"/>
           <p:cNvSpPr txBox="1"/>
           <p:nvPr/>
         </p:nvSpPr>
@@ -14273,7 +14548,2928 @@
 </p:sld>
 </file>
 
+<file path=ppt/slides/slide2.xml><?xml version="1.0" encoding="utf-8"?>
+<p:sld xmlns:a="http://schemas.openxmlformats.org/drawingml/2006/main" xmlns:r="http://schemas.openxmlformats.org/officeDocument/2006/relationships" xmlns:mc="http://schemas.openxmlformats.org/markup-compatibility/2006" xmlns:mv="urn:schemas-microsoft-com:mac:vml" xmlns:p="http://schemas.openxmlformats.org/presentationml/2006/main" xmlns:c="http://schemas.openxmlformats.org/drawingml/2006/chart" xmlns:dgm="http://schemas.openxmlformats.org/drawingml/2006/diagram" xmlns:o="urn:schemas-microsoft-com:office:office" xmlns:v="urn:schemas-microsoft-com:vml" xmlns:pvml="urn:schemas-microsoft-com:office:powerpoint" xmlns:com="http://schemas.openxmlformats.org/drawingml/2006/compatibility" xmlns:p14="http://schemas.microsoft.com/office/powerpoint/2010/main" xmlns:p15="http://schemas.microsoft.com/office/powerpoint/2012/main">
+  <p:cSld>
+    <p:spTree>
+      <p:nvGrpSpPr>
+        <p:cNvPr id="200" name="Shape 200"/>
+        <p:cNvGrpSpPr/>
+        <p:nvPr/>
+      </p:nvGrpSpPr>
+      <p:grpSpPr>
+        <a:xfrm>
+          <a:off x="0" y="0"/>
+          <a:ext cx="0" cy="0"/>
+          <a:chOff x="0" y="0"/>
+          <a:chExt cx="0" cy="0"/>
+        </a:xfrm>
+      </p:grpSpPr>
+      <p:pic>
+        <p:nvPicPr>
+          <p:cNvPr id="201" name="Google Shape;201;p15"/>
+          <p:cNvPicPr preferRelativeResize="0"/>
+          <p:nvPr/>
+        </p:nvPicPr>
+        <p:blipFill>
+          <a:blip r:embed="rId3">
+            <a:alphaModFix/>
+          </a:blip>
+          <a:stretch>
+            <a:fillRect/>
+          </a:stretch>
+        </p:blipFill>
+        <p:spPr>
+          <a:xfrm>
+            <a:off x="4800350" y="392700"/>
+            <a:ext cx="3346675" cy="2955625"/>
+          </a:xfrm>
+          <a:prstGeom prst="rect">
+            <a:avLst/>
+          </a:prstGeom>
+          <a:noFill/>
+          <a:ln>
+            <a:noFill/>
+          </a:ln>
+        </p:spPr>
+      </p:pic>
+      <p:sp>
+        <p:nvSpPr>
+          <p:cNvPr id="202" name="Google Shape;202;p15"/>
+          <p:cNvSpPr txBox="1"/>
+          <p:nvPr/>
+        </p:nvSpPr>
+        <p:spPr>
+          <a:xfrm>
+            <a:off x="352900" y="300350"/>
+            <a:ext cx="3979500" cy="795900"/>
+          </a:xfrm>
+          <a:prstGeom prst="rect">
+            <a:avLst/>
+          </a:prstGeom>
+          <a:noFill/>
+          <a:ln>
+            <a:noFill/>
+          </a:ln>
+        </p:spPr>
+        <p:txBody>
+          <a:bodyPr anchorCtr="0" anchor="t" bIns="91425" lIns="91425" spcFirstLastPara="1" rIns="91425" wrap="square" tIns="91425">
+            <a:noAutofit/>
+          </a:bodyPr>
+          <a:lstStyle/>
+          <a:p>
+            <a:pPr indent="0" lvl="0" marL="0" rtl="0" algn="l">
+              <a:spcBef>
+                <a:spcPts val="0"/>
+              </a:spcBef>
+              <a:spcAft>
+                <a:spcPts val="0"/>
+              </a:spcAft>
+              <a:buNone/>
+            </a:pPr>
+            <a:r>
+              <a:rPr b="1" lang="ru" sz="1800">
+                <a:latin typeface="Roboto Slab"/>
+                <a:ea typeface="Roboto Slab"/>
+                <a:cs typeface="Roboto Slab"/>
+                <a:sym typeface="Roboto Slab"/>
+              </a:rPr>
+              <a:t>Круговой дихроизм</a:t>
+            </a:r>
+            <a:endParaRPr b="1" sz="1800">
+              <a:latin typeface="Roboto Slab"/>
+              <a:ea typeface="Roboto Slab"/>
+              <a:cs typeface="Roboto Slab"/>
+              <a:sym typeface="Roboto Slab"/>
+            </a:endParaRPr>
+          </a:p>
+        </p:txBody>
+      </p:sp>
+      <p:sp>
+        <p:nvSpPr>
+          <p:cNvPr id="203" name="Google Shape;203;p15"/>
+          <p:cNvSpPr txBox="1"/>
+          <p:nvPr/>
+        </p:nvSpPr>
+        <p:spPr>
+          <a:xfrm>
+            <a:off x="533125" y="803425"/>
+            <a:ext cx="3979500" cy="961200"/>
+          </a:xfrm>
+          <a:prstGeom prst="rect">
+            <a:avLst/>
+          </a:prstGeom>
+          <a:noFill/>
+          <a:ln>
+            <a:noFill/>
+          </a:ln>
+        </p:spPr>
+        <p:txBody>
+          <a:bodyPr anchorCtr="0" anchor="t" bIns="91425" lIns="91425" spcFirstLastPara="1" rIns="91425" wrap="square" tIns="91425">
+            <a:noAutofit/>
+          </a:bodyPr>
+          <a:lstStyle/>
+          <a:p>
+            <a:pPr indent="0" lvl="0" marL="0" rtl="0" algn="l">
+              <a:lnSpc>
+                <a:spcPct val="115000"/>
+              </a:lnSpc>
+              <a:spcBef>
+                <a:spcPts val="1200"/>
+              </a:spcBef>
+              <a:spcAft>
+                <a:spcPts val="1200"/>
+              </a:spcAft>
+              <a:buNone/>
+            </a:pPr>
+            <a:r>
+              <a:rPr b="1" lang="ru" sz="1100"/>
+              <a:t>Дихроизм</a:t>
+            </a:r>
+            <a:r>
+              <a:rPr lang="ru" sz="1100"/>
+              <a:t> — явление, состоящее в различном поглощении веществом света в зависимости от его поляризации. </a:t>
+            </a:r>
+            <a:endParaRPr>
+              <a:latin typeface="Roboto"/>
+              <a:ea typeface="Roboto"/>
+              <a:cs typeface="Roboto"/>
+              <a:sym typeface="Roboto"/>
+            </a:endParaRPr>
+          </a:p>
+        </p:txBody>
+      </p:sp>
+      <p:sp>
+        <p:nvSpPr>
+          <p:cNvPr id="204" name="Google Shape;204;p15"/>
+          <p:cNvSpPr txBox="1"/>
+          <p:nvPr/>
+        </p:nvSpPr>
+        <p:spPr>
+          <a:xfrm>
+            <a:off x="615750" y="1809600"/>
+            <a:ext cx="3979500" cy="795900"/>
+          </a:xfrm>
+          <a:prstGeom prst="rect">
+            <a:avLst/>
+          </a:prstGeom>
+          <a:noFill/>
+          <a:ln>
+            <a:noFill/>
+          </a:ln>
+        </p:spPr>
+        <p:txBody>
+          <a:bodyPr anchorCtr="0" anchor="t" bIns="91425" lIns="91425" spcFirstLastPara="1" rIns="91425" wrap="square" tIns="91425">
+            <a:noAutofit/>
+          </a:bodyPr>
+          <a:lstStyle/>
+          <a:p>
+            <a:pPr indent="0" lvl="0" marL="0" rtl="0" algn="l">
+              <a:spcBef>
+                <a:spcPts val="0"/>
+              </a:spcBef>
+              <a:spcAft>
+                <a:spcPts val="0"/>
+              </a:spcAft>
+              <a:buNone/>
+            </a:pPr>
+            <a:r>
+              <a:rPr b="1" lang="ru" sz="1100"/>
+              <a:t>Круговой дихроизм</a:t>
+            </a:r>
+            <a:r>
+              <a:rPr lang="ru" sz="1100"/>
+              <a:t> - это дихроизм с использованием круговой поляризации света, т. е, дифференциальное LHC и RHC света. </a:t>
+            </a:r>
+            <a:endParaRPr sz="1100"/>
+          </a:p>
+          <a:p>
+            <a:pPr indent="0" lvl="0" marL="0" rtl="0" algn="l">
+              <a:spcBef>
+                <a:spcPts val="0"/>
+              </a:spcBef>
+              <a:spcAft>
+                <a:spcPts val="0"/>
+              </a:spcAft>
+              <a:buNone/>
+            </a:pPr>
+            <a:r>
+              <a:t/>
+            </a:r>
+            <a:endParaRPr>
+              <a:latin typeface="Roboto"/>
+              <a:ea typeface="Roboto"/>
+              <a:cs typeface="Roboto"/>
+              <a:sym typeface="Roboto"/>
+            </a:endParaRPr>
+          </a:p>
+        </p:txBody>
+      </p:sp>
+      <p:sp>
+        <p:nvSpPr>
+          <p:cNvPr id="205" name="Google Shape;205;p15"/>
+          <p:cNvSpPr txBox="1"/>
+          <p:nvPr/>
+        </p:nvSpPr>
+        <p:spPr>
+          <a:xfrm>
+            <a:off x="6292350" y="3844475"/>
+            <a:ext cx="2162400" cy="795900"/>
+          </a:xfrm>
+          <a:prstGeom prst="rect">
+            <a:avLst/>
+          </a:prstGeom>
+          <a:noFill/>
+          <a:ln>
+            <a:noFill/>
+          </a:ln>
+        </p:spPr>
+        <p:txBody>
+          <a:bodyPr anchorCtr="0" anchor="t" bIns="91425" lIns="91425" spcFirstLastPara="1" rIns="91425" wrap="square" tIns="91425">
+            <a:noAutofit/>
+          </a:bodyPr>
+          <a:lstStyle/>
+          <a:p>
+            <a:pPr indent="0" lvl="0" marL="0" rtl="0" algn="l">
+              <a:spcBef>
+                <a:spcPts val="0"/>
+              </a:spcBef>
+              <a:spcAft>
+                <a:spcPts val="0"/>
+              </a:spcAft>
+              <a:buNone/>
+            </a:pPr>
+            <a:r>
+              <a:rPr lang="ru">
+                <a:latin typeface="Roboto"/>
+                <a:ea typeface="Roboto"/>
+                <a:cs typeface="Roboto"/>
+                <a:sym typeface="Roboto"/>
+              </a:rPr>
+              <a:t>LHC         HLC</a:t>
+            </a:r>
+            <a:endParaRPr>
+              <a:latin typeface="Roboto"/>
+              <a:ea typeface="Roboto"/>
+              <a:cs typeface="Roboto"/>
+              <a:sym typeface="Roboto"/>
+            </a:endParaRPr>
+          </a:p>
+        </p:txBody>
+      </p:sp>
+      <p:cxnSp>
+        <p:nvCxnSpPr>
+          <p:cNvPr id="206" name="Google Shape;206;p15"/>
+          <p:cNvCxnSpPr/>
+          <p:nvPr/>
+        </p:nvCxnSpPr>
+        <p:spPr>
+          <a:xfrm flipH="1" rot="10800000">
+            <a:off x="7140825" y="4325050"/>
+            <a:ext cx="375600" cy="7500"/>
+          </a:xfrm>
+          <a:prstGeom prst="straightConnector1">
+            <a:avLst/>
+          </a:prstGeom>
+          <a:noFill/>
+          <a:ln cap="flat" cmpd="sng" w="9525">
+            <a:solidFill>
+              <a:schemeClr val="dk2"/>
+            </a:solidFill>
+            <a:prstDash val="solid"/>
+            <a:round/>
+            <a:headEnd len="med" w="med" type="none"/>
+            <a:tailEnd len="med" w="med" type="triangle"/>
+          </a:ln>
+        </p:spPr>
+      </p:cxnSp>
+      <p:cxnSp>
+        <p:nvCxnSpPr>
+          <p:cNvPr id="207" name="Google Shape;207;p15"/>
+          <p:cNvCxnSpPr/>
+          <p:nvPr/>
+        </p:nvCxnSpPr>
+        <p:spPr>
+          <a:xfrm flipH="1">
+            <a:off x="6323475" y="4325050"/>
+            <a:ext cx="419400" cy="11400"/>
+          </a:xfrm>
+          <a:prstGeom prst="straightConnector1">
+            <a:avLst/>
+          </a:prstGeom>
+          <a:noFill/>
+          <a:ln cap="flat" cmpd="sng" w="9525">
+            <a:solidFill>
+              <a:schemeClr val="dk2"/>
+            </a:solidFill>
+            <a:prstDash val="solid"/>
+            <a:round/>
+            <a:headEnd len="med" w="med" type="none"/>
+            <a:tailEnd len="med" w="med" type="triangle"/>
+          </a:ln>
+        </p:spPr>
+      </p:cxnSp>
+      <p:sp>
+        <p:nvSpPr>
+          <p:cNvPr id="208" name="Google Shape;208;p15"/>
+          <p:cNvSpPr txBox="1"/>
+          <p:nvPr/>
+        </p:nvSpPr>
+        <p:spPr>
+          <a:xfrm>
+            <a:off x="570675" y="2804525"/>
+            <a:ext cx="4129800" cy="1757100"/>
+          </a:xfrm>
+          <a:prstGeom prst="rect">
+            <a:avLst/>
+          </a:prstGeom>
+          <a:noFill/>
+          <a:ln>
+            <a:noFill/>
+          </a:ln>
+        </p:spPr>
+        <p:txBody>
+          <a:bodyPr anchorCtr="0" anchor="t" bIns="91425" lIns="91425" spcFirstLastPara="1" rIns="91425" wrap="square" tIns="91425">
+            <a:noAutofit/>
+          </a:bodyPr>
+          <a:lstStyle/>
+          <a:p>
+            <a:pPr indent="0" lvl="0" marL="0" rtl="0" algn="l">
+              <a:spcBef>
+                <a:spcPts val="0"/>
+              </a:spcBef>
+              <a:spcAft>
+                <a:spcPts val="0"/>
+              </a:spcAft>
+              <a:buNone/>
+            </a:pPr>
+            <a:r>
+              <a:rPr lang="ru"/>
+              <a:t>Возможное применение:</a:t>
+            </a:r>
+            <a:endParaRPr/>
+          </a:p>
+          <a:p>
+            <a:pPr indent="-317500" lvl="0" marL="457200" rtl="0" algn="l">
+              <a:spcBef>
+                <a:spcPts val="0"/>
+              </a:spcBef>
+              <a:spcAft>
+                <a:spcPts val="0"/>
+              </a:spcAft>
+              <a:buSzPts val="1400"/>
+              <a:buChar char="●"/>
+            </a:pPr>
+            <a:r>
+              <a:rPr lang="ru"/>
+              <a:t>исследования вторичной структуры белков и ДНК</a:t>
+            </a:r>
+            <a:endParaRPr/>
+          </a:p>
+          <a:p>
+            <a:pPr indent="-317500" lvl="0" marL="457200" rtl="0" algn="l">
+              <a:spcBef>
+                <a:spcPts val="0"/>
+              </a:spcBef>
+              <a:spcAft>
+                <a:spcPts val="0"/>
+              </a:spcAft>
+              <a:buSzPts val="1400"/>
+              <a:buChar char="●"/>
+            </a:pPr>
+            <a:r>
+              <a:rPr lang="ru"/>
+              <a:t>исследование геометрическойи электронной структуры в диапазоне рентгеновского излучения d-&gt;d</a:t>
+            </a:r>
+            <a:endParaRPr/>
+          </a:p>
+          <a:p>
+            <a:pPr indent="0" lvl="0" marL="457200" rtl="0" algn="l">
+              <a:spcBef>
+                <a:spcPts val="0"/>
+              </a:spcBef>
+              <a:spcAft>
+                <a:spcPts val="0"/>
+              </a:spcAft>
+              <a:buNone/>
+            </a:pPr>
+            <a:r>
+              <a:t/>
+            </a:r>
+            <a:endParaRPr>
+              <a:latin typeface="Roboto"/>
+              <a:ea typeface="Roboto"/>
+              <a:cs typeface="Roboto"/>
+              <a:sym typeface="Roboto"/>
+            </a:endParaRPr>
+          </a:p>
+        </p:txBody>
+      </p:sp>
+    </p:spTree>
+  </p:cSld>
+  <p:clrMapOvr>
+    <a:masterClrMapping/>
+  </p:clrMapOvr>
+</p:sld>
+</file>
+
+<file path=ppt/slides/slide3.xml><?xml version="1.0" encoding="utf-8"?>
+<p:sld xmlns:a="http://schemas.openxmlformats.org/drawingml/2006/main" xmlns:r="http://schemas.openxmlformats.org/officeDocument/2006/relationships" xmlns:mc="http://schemas.openxmlformats.org/markup-compatibility/2006" xmlns:mv="urn:schemas-microsoft-com:mac:vml" xmlns:p="http://schemas.openxmlformats.org/presentationml/2006/main" xmlns:c="http://schemas.openxmlformats.org/drawingml/2006/chart" xmlns:dgm="http://schemas.openxmlformats.org/drawingml/2006/diagram" xmlns:o="urn:schemas-microsoft-com:office:office" xmlns:v="urn:schemas-microsoft-com:vml" xmlns:pvml="urn:schemas-microsoft-com:office:powerpoint" xmlns:com="http://schemas.openxmlformats.org/drawingml/2006/compatibility" xmlns:p14="http://schemas.microsoft.com/office/powerpoint/2010/main" xmlns:p15="http://schemas.microsoft.com/office/powerpoint/2012/main">
+  <p:cSld>
+    <p:spTree>
+      <p:nvGrpSpPr>
+        <p:cNvPr id="212" name="Shape 212"/>
+        <p:cNvGrpSpPr/>
+        <p:nvPr/>
+      </p:nvGrpSpPr>
+      <p:grpSpPr>
+        <a:xfrm>
+          <a:off x="0" y="0"/>
+          <a:ext cx="0" cy="0"/>
+          <a:chOff x="0" y="0"/>
+          <a:chExt cx="0" cy="0"/>
+        </a:xfrm>
+      </p:grpSpPr>
+      <p:sp>
+        <p:nvSpPr>
+          <p:cNvPr id="213" name="Google Shape;213;p16"/>
+          <p:cNvSpPr txBox="1"/>
+          <p:nvPr/>
+        </p:nvSpPr>
+        <p:spPr>
+          <a:xfrm>
+            <a:off x="352900" y="300350"/>
+            <a:ext cx="3979500" cy="795900"/>
+          </a:xfrm>
+          <a:prstGeom prst="rect">
+            <a:avLst/>
+          </a:prstGeom>
+          <a:noFill/>
+          <a:ln>
+            <a:noFill/>
+          </a:ln>
+        </p:spPr>
+        <p:txBody>
+          <a:bodyPr anchorCtr="0" anchor="t" bIns="91425" lIns="91425" spcFirstLastPara="1" rIns="91425" wrap="square" tIns="91425">
+            <a:noAutofit/>
+          </a:bodyPr>
+          <a:lstStyle/>
+          <a:p>
+            <a:pPr indent="0" lvl="0" marL="0" rtl="0" algn="l">
+              <a:spcBef>
+                <a:spcPts val="0"/>
+              </a:spcBef>
+              <a:spcAft>
+                <a:spcPts val="0"/>
+              </a:spcAft>
+              <a:buNone/>
+            </a:pPr>
+            <a:r>
+              <a:rPr b="1" lang="ru" sz="1800">
+                <a:latin typeface="Roboto Slab"/>
+                <a:ea typeface="Roboto Slab"/>
+                <a:cs typeface="Roboto Slab"/>
+                <a:sym typeface="Roboto Slab"/>
+              </a:rPr>
+              <a:t>Магнитный</a:t>
+            </a:r>
+            <a:r>
+              <a:rPr b="1" lang="ru" sz="1800">
+                <a:latin typeface="Roboto Slab"/>
+                <a:ea typeface="Roboto Slab"/>
+                <a:cs typeface="Roboto Slab"/>
+                <a:sym typeface="Roboto Slab"/>
+              </a:rPr>
+              <a:t> дихроизм</a:t>
+            </a:r>
+            <a:endParaRPr b="1" sz="1800">
+              <a:latin typeface="Roboto Slab"/>
+              <a:ea typeface="Roboto Slab"/>
+              <a:cs typeface="Roboto Slab"/>
+              <a:sym typeface="Roboto Slab"/>
+            </a:endParaRPr>
+          </a:p>
+        </p:txBody>
+      </p:sp>
+      <p:sp>
+        <p:nvSpPr>
+          <p:cNvPr id="214" name="Google Shape;214;p16"/>
+          <p:cNvSpPr txBox="1"/>
+          <p:nvPr/>
+        </p:nvSpPr>
+        <p:spPr>
+          <a:xfrm>
+            <a:off x="533125" y="803425"/>
+            <a:ext cx="6885600" cy="578100"/>
+          </a:xfrm>
+          <a:prstGeom prst="rect">
+            <a:avLst/>
+          </a:prstGeom>
+          <a:noFill/>
+          <a:ln>
+            <a:noFill/>
+          </a:ln>
+        </p:spPr>
+        <p:txBody>
+          <a:bodyPr anchorCtr="0" anchor="t" bIns="91425" lIns="91425" spcFirstLastPara="1" rIns="91425" wrap="square" tIns="91425">
+            <a:noAutofit/>
+          </a:bodyPr>
+          <a:lstStyle/>
+          <a:p>
+            <a:pPr indent="0" lvl="0" marL="0" rtl="0" algn="l">
+              <a:lnSpc>
+                <a:spcPct val="115000"/>
+              </a:lnSpc>
+              <a:spcBef>
+                <a:spcPts val="1200"/>
+              </a:spcBef>
+              <a:spcAft>
+                <a:spcPts val="1200"/>
+              </a:spcAft>
+              <a:buNone/>
+            </a:pPr>
+            <a:r>
+              <a:rPr b="1" lang="ru" sz="1100"/>
+              <a:t>Поляризация </a:t>
+            </a:r>
+            <a:r>
+              <a:rPr lang="ru" sz="1100"/>
+              <a:t>зависит от спектра поглощения рентгеновского излучения</a:t>
+            </a:r>
+            <a:endParaRPr>
+              <a:latin typeface="Roboto"/>
+              <a:ea typeface="Roboto"/>
+              <a:cs typeface="Roboto"/>
+              <a:sym typeface="Roboto"/>
+            </a:endParaRPr>
+          </a:p>
+        </p:txBody>
+      </p:sp>
+      <p:sp>
+        <p:nvSpPr>
+          <p:cNvPr id="215" name="Google Shape;215;p16"/>
+          <p:cNvSpPr txBox="1"/>
+          <p:nvPr/>
+        </p:nvSpPr>
+        <p:spPr>
+          <a:xfrm>
+            <a:off x="458750" y="1381525"/>
+            <a:ext cx="3084300" cy="795900"/>
+          </a:xfrm>
+          <a:prstGeom prst="rect">
+            <a:avLst/>
+          </a:prstGeom>
+          <a:noFill/>
+          <a:ln>
+            <a:noFill/>
+          </a:ln>
+        </p:spPr>
+        <p:txBody>
+          <a:bodyPr anchorCtr="0" anchor="t" bIns="91425" lIns="91425" spcFirstLastPara="1" rIns="91425" wrap="square" tIns="91425">
+            <a:noAutofit/>
+          </a:bodyPr>
+          <a:lstStyle/>
+          <a:p>
+            <a:pPr indent="0" lvl="0" marL="0" rtl="0" algn="l">
+              <a:spcBef>
+                <a:spcPts val="0"/>
+              </a:spcBef>
+              <a:spcAft>
+                <a:spcPts val="0"/>
+              </a:spcAft>
+              <a:buNone/>
+            </a:pPr>
+            <a:r>
+              <a:rPr lang="ru">
+                <a:latin typeface="Roboto Slab"/>
+                <a:ea typeface="Roboto Slab"/>
+                <a:cs typeface="Roboto Slab"/>
+                <a:sym typeface="Roboto Slab"/>
+              </a:rPr>
+              <a:t>e_q : вектор поляризации</a:t>
+            </a:r>
+            <a:endParaRPr>
+              <a:latin typeface="Roboto Slab"/>
+              <a:ea typeface="Roboto Slab"/>
+              <a:cs typeface="Roboto Slab"/>
+              <a:sym typeface="Roboto Slab"/>
+            </a:endParaRPr>
+          </a:p>
+        </p:txBody>
+      </p:sp>
+      <p:sp>
+        <p:nvSpPr>
+          <p:cNvPr id="216" name="Google Shape;216;p16"/>
+          <p:cNvSpPr txBox="1"/>
+          <p:nvPr/>
+        </p:nvSpPr>
+        <p:spPr>
+          <a:xfrm>
+            <a:off x="5051425" y="1794900"/>
+            <a:ext cx="2817900" cy="923700"/>
+          </a:xfrm>
+          <a:prstGeom prst="rect">
+            <a:avLst/>
+          </a:prstGeom>
+          <a:noFill/>
+          <a:ln>
+            <a:noFill/>
+          </a:ln>
+        </p:spPr>
+        <p:txBody>
+          <a:bodyPr anchorCtr="0" anchor="t" bIns="91425" lIns="91425" spcFirstLastPara="1" rIns="91425" wrap="square" tIns="91425">
+            <a:noAutofit/>
+          </a:bodyPr>
+          <a:lstStyle/>
+          <a:p>
+            <a:pPr indent="0" lvl="0" marL="0" rtl="0" algn="l">
+              <a:spcBef>
+                <a:spcPts val="0"/>
+              </a:spcBef>
+              <a:spcAft>
+                <a:spcPts val="0"/>
+              </a:spcAft>
+              <a:buNone/>
+            </a:pPr>
+            <a:r>
+              <a:t/>
+            </a:r>
+            <a:endParaRPr>
+              <a:latin typeface="Roboto"/>
+              <a:ea typeface="Roboto"/>
+              <a:cs typeface="Roboto"/>
+              <a:sym typeface="Roboto"/>
+            </a:endParaRPr>
+          </a:p>
+        </p:txBody>
+      </p:sp>
+      <p:sp>
+        <p:nvSpPr>
+          <p:cNvPr id="217" name="Google Shape;217;p16"/>
+          <p:cNvSpPr txBox="1"/>
+          <p:nvPr/>
+        </p:nvSpPr>
+        <p:spPr>
+          <a:xfrm>
+            <a:off x="3056550" y="1381525"/>
+            <a:ext cx="5058600" cy="795900"/>
+          </a:xfrm>
+          <a:prstGeom prst="rect">
+            <a:avLst/>
+          </a:prstGeom>
+          <a:noFill/>
+          <a:ln>
+            <a:noFill/>
+          </a:ln>
+        </p:spPr>
+        <p:txBody>
+          <a:bodyPr anchorCtr="0" anchor="t" bIns="91425" lIns="91425" spcFirstLastPara="1" rIns="91425" wrap="square" tIns="91425">
+            <a:noAutofit/>
+          </a:bodyPr>
+          <a:lstStyle/>
+          <a:p>
+            <a:pPr indent="0" lvl="0" marL="0" rtl="0" algn="l">
+              <a:spcBef>
+                <a:spcPts val="0"/>
+              </a:spcBef>
+              <a:spcAft>
+                <a:spcPts val="0"/>
+              </a:spcAft>
+              <a:buNone/>
+            </a:pPr>
+            <a:r>
+              <a:rPr lang="ru" sz="1200">
+                <a:latin typeface="Roboto Slab"/>
+                <a:ea typeface="Roboto Slab"/>
+                <a:cs typeface="Roboto Slab"/>
+                <a:sym typeface="Roboto Slab"/>
+              </a:rPr>
+              <a:t>q = -1  =&gt;  поляризованного по правому и левому кругу RHC</a:t>
+            </a:r>
+            <a:endParaRPr sz="1200">
+              <a:latin typeface="Roboto Slab"/>
+              <a:ea typeface="Roboto Slab"/>
+              <a:cs typeface="Roboto Slab"/>
+              <a:sym typeface="Roboto Slab"/>
+            </a:endParaRPr>
+          </a:p>
+          <a:p>
+            <a:pPr indent="0" lvl="0" marL="0" rtl="0" algn="l">
+              <a:spcBef>
+                <a:spcPts val="0"/>
+              </a:spcBef>
+              <a:spcAft>
+                <a:spcPts val="0"/>
+              </a:spcAft>
+              <a:buNone/>
+            </a:pPr>
+            <a:r>
+              <a:rPr lang="ru" sz="1200">
+                <a:latin typeface="Roboto Slab"/>
+                <a:ea typeface="Roboto Slab"/>
+                <a:cs typeface="Roboto Slab"/>
+                <a:sym typeface="Roboto Slab"/>
+              </a:rPr>
+              <a:t>q = 0   =&gt;  линейно</a:t>
+            </a:r>
+            <a:endParaRPr sz="1200">
+              <a:latin typeface="Roboto Slab"/>
+              <a:ea typeface="Roboto Slab"/>
+              <a:cs typeface="Roboto Slab"/>
+              <a:sym typeface="Roboto Slab"/>
+            </a:endParaRPr>
+          </a:p>
+          <a:p>
+            <a:pPr indent="0" lvl="0" marL="0" rtl="0" algn="l">
+              <a:spcBef>
+                <a:spcPts val="0"/>
+              </a:spcBef>
+              <a:spcAft>
+                <a:spcPts val="0"/>
+              </a:spcAft>
+              <a:buNone/>
+            </a:pPr>
+            <a:r>
+              <a:rPr lang="ru" sz="1200">
+                <a:latin typeface="Roboto Slab"/>
+                <a:ea typeface="Roboto Slab"/>
+                <a:cs typeface="Roboto Slab"/>
+                <a:sym typeface="Roboto Slab"/>
+              </a:rPr>
+              <a:t>q = 1   =&gt;  поляризованного по правому и левому кругу LHC</a:t>
+            </a:r>
+            <a:endParaRPr sz="1200">
+              <a:latin typeface="Roboto Slab"/>
+              <a:ea typeface="Roboto Slab"/>
+              <a:cs typeface="Roboto Slab"/>
+              <a:sym typeface="Roboto Slab"/>
+            </a:endParaRPr>
+          </a:p>
+        </p:txBody>
+      </p:sp>
+      <p:sp>
+        <p:nvSpPr>
+          <p:cNvPr id="218" name="Google Shape;218;p16"/>
+          <p:cNvSpPr txBox="1"/>
+          <p:nvPr/>
+        </p:nvSpPr>
+        <p:spPr>
+          <a:xfrm>
+            <a:off x="533125" y="2541525"/>
+            <a:ext cx="5495700" cy="701700"/>
+          </a:xfrm>
+          <a:prstGeom prst="rect">
+            <a:avLst/>
+          </a:prstGeom>
+          <a:noFill/>
+          <a:ln>
+            <a:noFill/>
+          </a:ln>
+        </p:spPr>
+        <p:txBody>
+          <a:bodyPr anchorCtr="0" anchor="t" bIns="91425" lIns="91425" spcFirstLastPara="1" rIns="91425" wrap="square" tIns="91425">
+            <a:noAutofit/>
+          </a:bodyPr>
+          <a:lstStyle/>
+          <a:p>
+            <a:pPr indent="457200" lvl="0" marL="0" rtl="0" algn="l">
+              <a:spcBef>
+                <a:spcPts val="0"/>
+              </a:spcBef>
+              <a:spcAft>
+                <a:spcPts val="0"/>
+              </a:spcAft>
+              <a:buNone/>
+            </a:pPr>
+            <a:r>
+              <a:rPr lang="ru">
+                <a:latin typeface="Roboto"/>
+                <a:ea typeface="Roboto"/>
+                <a:cs typeface="Roboto"/>
+                <a:sym typeface="Roboto"/>
+              </a:rPr>
+              <a:t>Рентгеновский </a:t>
+            </a:r>
+            <a:r>
+              <a:rPr b="1" lang="ru">
+                <a:latin typeface="Roboto"/>
+                <a:ea typeface="Roboto"/>
+                <a:cs typeface="Roboto"/>
+                <a:sym typeface="Roboto"/>
+              </a:rPr>
+              <a:t>магнитный</a:t>
+            </a:r>
+            <a:r>
+              <a:rPr lang="ru">
+                <a:latin typeface="Roboto"/>
+                <a:ea typeface="Roboto"/>
+                <a:cs typeface="Roboto"/>
+                <a:sym typeface="Roboto"/>
+              </a:rPr>
+              <a:t> круговой дихроизм (XMCD): разность в поглощении для левого и правого контура</a:t>
+            </a:r>
+            <a:endParaRPr>
+              <a:latin typeface="Roboto"/>
+              <a:ea typeface="Roboto"/>
+              <a:cs typeface="Roboto"/>
+              <a:sym typeface="Roboto"/>
+            </a:endParaRPr>
+          </a:p>
+          <a:p>
+            <a:pPr indent="0" lvl="0" marL="0" rtl="0" algn="l">
+              <a:spcBef>
+                <a:spcPts val="0"/>
+              </a:spcBef>
+              <a:spcAft>
+                <a:spcPts val="0"/>
+              </a:spcAft>
+              <a:buNone/>
+            </a:pPr>
+            <a:r>
+              <a:rPr lang="ru">
+                <a:latin typeface="Roboto"/>
+                <a:ea typeface="Roboto"/>
+                <a:cs typeface="Roboto"/>
+                <a:sym typeface="Roboto"/>
+              </a:rPr>
+              <a:t>правый круглый поляризованный свет.</a:t>
+            </a:r>
+            <a:endParaRPr>
+              <a:latin typeface="Roboto"/>
+              <a:ea typeface="Roboto"/>
+              <a:cs typeface="Roboto"/>
+              <a:sym typeface="Roboto"/>
+            </a:endParaRPr>
+          </a:p>
+        </p:txBody>
+      </p:sp>
+      <p:pic>
+        <p:nvPicPr>
+          <p:cNvPr id="219" name="Google Shape;219;p16"/>
+          <p:cNvPicPr preferRelativeResize="0"/>
+          <p:nvPr/>
+        </p:nvPicPr>
+        <p:blipFill>
+          <a:blip r:embed="rId3">
+            <a:alphaModFix/>
+          </a:blip>
+          <a:stretch>
+            <a:fillRect/>
+          </a:stretch>
+        </p:blipFill>
+        <p:spPr>
+          <a:xfrm>
+            <a:off x="5945272" y="2321859"/>
+            <a:ext cx="2261049" cy="1141025"/>
+          </a:xfrm>
+          <a:prstGeom prst="rect">
+            <a:avLst/>
+          </a:prstGeom>
+          <a:noFill/>
+          <a:ln>
+            <a:noFill/>
+          </a:ln>
+        </p:spPr>
+      </p:pic>
+      <p:sp>
+        <p:nvSpPr>
+          <p:cNvPr id="220" name="Google Shape;220;p16"/>
+          <p:cNvSpPr txBox="1"/>
+          <p:nvPr/>
+        </p:nvSpPr>
+        <p:spPr>
+          <a:xfrm>
+            <a:off x="458750" y="3782725"/>
+            <a:ext cx="5715300" cy="923700"/>
+          </a:xfrm>
+          <a:prstGeom prst="rect">
+            <a:avLst/>
+          </a:prstGeom>
+          <a:noFill/>
+          <a:ln>
+            <a:noFill/>
+          </a:ln>
+        </p:spPr>
+        <p:txBody>
+          <a:bodyPr anchorCtr="0" anchor="t" bIns="91425" lIns="91425" spcFirstLastPara="1" rIns="91425" wrap="square" tIns="91425">
+            <a:noAutofit/>
+          </a:bodyPr>
+          <a:lstStyle/>
+          <a:p>
+            <a:pPr indent="457200" lvl="0" marL="0" rtl="0" algn="l">
+              <a:spcBef>
+                <a:spcPts val="0"/>
+              </a:spcBef>
+              <a:spcAft>
+                <a:spcPts val="0"/>
+              </a:spcAft>
+              <a:buNone/>
+            </a:pPr>
+            <a:r>
+              <a:rPr lang="ru">
+                <a:latin typeface="Roboto"/>
+                <a:ea typeface="Roboto"/>
+                <a:cs typeface="Roboto"/>
+                <a:sym typeface="Roboto"/>
+              </a:rPr>
+              <a:t>Рентгеновский </a:t>
+            </a:r>
+            <a:r>
+              <a:rPr b="1" lang="ru">
+                <a:latin typeface="Roboto"/>
+                <a:ea typeface="Roboto"/>
+                <a:cs typeface="Roboto"/>
+                <a:sym typeface="Roboto"/>
+              </a:rPr>
+              <a:t>линейный</a:t>
+            </a:r>
+            <a:r>
+              <a:rPr lang="ru">
+                <a:latin typeface="Roboto"/>
+                <a:ea typeface="Roboto"/>
+                <a:cs typeface="Roboto"/>
+                <a:sym typeface="Roboto"/>
+              </a:rPr>
+              <a:t> дихроизм (XMLD): разность в поглощении для линейно</a:t>
+            </a:r>
+            <a:endParaRPr>
+              <a:latin typeface="Roboto"/>
+              <a:ea typeface="Roboto"/>
+              <a:cs typeface="Roboto"/>
+              <a:sym typeface="Roboto"/>
+            </a:endParaRPr>
+          </a:p>
+          <a:p>
+            <a:pPr indent="0" lvl="0" marL="0" rtl="0" algn="l">
+              <a:spcBef>
+                <a:spcPts val="0"/>
+              </a:spcBef>
+              <a:spcAft>
+                <a:spcPts val="0"/>
+              </a:spcAft>
+              <a:buNone/>
+            </a:pPr>
+            <a:r>
+              <a:rPr lang="ru">
+                <a:latin typeface="Roboto"/>
+                <a:ea typeface="Roboto"/>
+                <a:cs typeface="Roboto"/>
+                <a:sym typeface="Roboto"/>
+              </a:rPr>
+              <a:t>поляризованного света ⊥ и // к оси квантования (q = ± 1 и q = 0 ).</a:t>
+            </a:r>
+            <a:endParaRPr>
+              <a:latin typeface="Roboto"/>
+              <a:ea typeface="Roboto"/>
+              <a:cs typeface="Roboto"/>
+              <a:sym typeface="Roboto"/>
+            </a:endParaRPr>
+          </a:p>
+        </p:txBody>
+      </p:sp>
+      <p:pic>
+        <p:nvPicPr>
+          <p:cNvPr id="221" name="Google Shape;221;p16"/>
+          <p:cNvPicPr preferRelativeResize="0"/>
+          <p:nvPr/>
+        </p:nvPicPr>
+        <p:blipFill>
+          <a:blip r:embed="rId4">
+            <a:alphaModFix/>
+          </a:blip>
+          <a:stretch>
+            <a:fillRect/>
+          </a:stretch>
+        </p:blipFill>
+        <p:spPr>
+          <a:xfrm>
+            <a:off x="6279700" y="3782725"/>
+            <a:ext cx="1996793" cy="1141025"/>
+          </a:xfrm>
+          <a:prstGeom prst="rect">
+            <a:avLst/>
+          </a:prstGeom>
+          <a:noFill/>
+          <a:ln>
+            <a:noFill/>
+          </a:ln>
+        </p:spPr>
+      </p:pic>
+    </p:spTree>
+  </p:cSld>
+  <p:clrMapOvr>
+    <a:masterClrMapping/>
+  </p:clrMapOvr>
+</p:sld>
+</file>
+
+<file path=ppt/slides/slide4.xml><?xml version="1.0" encoding="utf-8"?>
+<p:sld xmlns:a="http://schemas.openxmlformats.org/drawingml/2006/main" xmlns:r="http://schemas.openxmlformats.org/officeDocument/2006/relationships" xmlns:mc="http://schemas.openxmlformats.org/markup-compatibility/2006" xmlns:mv="urn:schemas-microsoft-com:mac:vml" xmlns:p="http://schemas.openxmlformats.org/presentationml/2006/main" xmlns:c="http://schemas.openxmlformats.org/drawingml/2006/chart" xmlns:dgm="http://schemas.openxmlformats.org/drawingml/2006/diagram" xmlns:o="urn:schemas-microsoft-com:office:office" xmlns:v="urn:schemas-microsoft-com:vml" xmlns:pvml="urn:schemas-microsoft-com:office:powerpoint" xmlns:com="http://schemas.openxmlformats.org/drawingml/2006/compatibility" xmlns:p14="http://schemas.microsoft.com/office/powerpoint/2010/main" xmlns:p15="http://schemas.microsoft.com/office/powerpoint/2012/main">
+  <p:cSld>
+    <p:spTree>
+      <p:nvGrpSpPr>
+        <p:cNvPr id="225" name="Shape 225"/>
+        <p:cNvGrpSpPr/>
+        <p:nvPr/>
+      </p:nvGrpSpPr>
+      <p:grpSpPr>
+        <a:xfrm>
+          <a:off x="0" y="0"/>
+          <a:ext cx="0" cy="0"/>
+          <a:chOff x="0" y="0"/>
+          <a:chExt cx="0" cy="0"/>
+        </a:xfrm>
+      </p:grpSpPr>
+      <p:sp>
+        <p:nvSpPr>
+          <p:cNvPr id="226" name="Google Shape;226;p17"/>
+          <p:cNvSpPr txBox="1"/>
+          <p:nvPr/>
+        </p:nvSpPr>
+        <p:spPr>
+          <a:xfrm>
+            <a:off x="491100" y="280625"/>
+            <a:ext cx="5718000" cy="1064100"/>
+          </a:xfrm>
+          <a:prstGeom prst="rect">
+            <a:avLst/>
+          </a:prstGeom>
+          <a:noFill/>
+          <a:ln>
+            <a:noFill/>
+          </a:ln>
+        </p:spPr>
+        <p:txBody>
+          <a:bodyPr anchorCtr="0" anchor="t" bIns="91425" lIns="91425" spcFirstLastPara="1" rIns="91425" wrap="square" tIns="91425">
+            <a:noAutofit/>
+          </a:bodyPr>
+          <a:lstStyle/>
+          <a:p>
+            <a:pPr indent="0" lvl="0" marL="0" rtl="0" algn="l">
+              <a:spcBef>
+                <a:spcPts val="0"/>
+              </a:spcBef>
+              <a:spcAft>
+                <a:spcPts val="0"/>
+              </a:spcAft>
+              <a:buNone/>
+            </a:pPr>
+            <a:r>
+              <a:rPr b="1" lang="ru">
+                <a:latin typeface="Roboto Slab"/>
+                <a:ea typeface="Roboto Slab"/>
+                <a:cs typeface="Roboto Slab"/>
+                <a:sym typeface="Roboto Slab"/>
+              </a:rPr>
+              <a:t>Магнитные эффекты ввзимодействия рентгеновского излучения с веществом</a:t>
+            </a:r>
+            <a:endParaRPr b="1">
+              <a:latin typeface="Roboto Slab"/>
+              <a:ea typeface="Roboto Slab"/>
+              <a:cs typeface="Roboto Slab"/>
+              <a:sym typeface="Roboto Slab"/>
+            </a:endParaRPr>
+          </a:p>
+        </p:txBody>
+      </p:sp>
+      <p:sp>
+        <p:nvSpPr>
+          <p:cNvPr id="227" name="Google Shape;227;p17"/>
+          <p:cNvSpPr txBox="1"/>
+          <p:nvPr/>
+        </p:nvSpPr>
+        <p:spPr>
+          <a:xfrm>
+            <a:off x="491100" y="1029000"/>
+            <a:ext cx="8302200" cy="993900"/>
+          </a:xfrm>
+          <a:prstGeom prst="rect">
+            <a:avLst/>
+          </a:prstGeom>
+          <a:noFill/>
+          <a:ln>
+            <a:noFill/>
+          </a:ln>
+        </p:spPr>
+        <p:txBody>
+          <a:bodyPr anchorCtr="0" anchor="t" bIns="91425" lIns="91425" spcFirstLastPara="1" rIns="91425" wrap="square" tIns="91425">
+            <a:noAutofit/>
+          </a:bodyPr>
+          <a:lstStyle/>
+          <a:p>
+            <a:pPr indent="457200" lvl="0" marL="0" rtl="0" algn="l">
+              <a:spcBef>
+                <a:spcPts val="0"/>
+              </a:spcBef>
+              <a:spcAft>
+                <a:spcPts val="0"/>
+              </a:spcAft>
+              <a:buNone/>
+            </a:pPr>
+            <a:r>
+              <a:rPr lang="ru">
+                <a:latin typeface="Roboto Slab"/>
+                <a:ea typeface="Roboto Slab"/>
+                <a:cs typeface="Roboto Slab"/>
+                <a:sym typeface="Roboto Slab"/>
+              </a:rPr>
+              <a:t>Для ф.т.т. рассеяние рентгеновских лучей дает информацию о </a:t>
+            </a:r>
+            <a:r>
+              <a:rPr b="1" lang="ru">
+                <a:latin typeface="Roboto Slab"/>
+                <a:ea typeface="Roboto Slab"/>
+                <a:cs typeface="Roboto Slab"/>
+                <a:sym typeface="Roboto Slab"/>
+              </a:rPr>
+              <a:t>плотности заряда</a:t>
+            </a:r>
+            <a:r>
+              <a:rPr lang="ru">
+                <a:latin typeface="Roboto Slab"/>
+                <a:ea typeface="Roboto Slab"/>
+                <a:cs typeface="Roboto Slab"/>
+                <a:sym typeface="Roboto Slab"/>
+              </a:rPr>
+              <a:t>.</a:t>
+            </a:r>
+            <a:endParaRPr>
+              <a:latin typeface="Roboto Slab"/>
+              <a:ea typeface="Roboto Slab"/>
+              <a:cs typeface="Roboto Slab"/>
+              <a:sym typeface="Roboto Slab"/>
+            </a:endParaRPr>
+          </a:p>
+          <a:p>
+            <a:pPr indent="0" lvl="0" marL="0" rtl="0" algn="l">
+              <a:spcBef>
+                <a:spcPts val="0"/>
+              </a:spcBef>
+              <a:spcAft>
+                <a:spcPts val="0"/>
+              </a:spcAft>
+              <a:buNone/>
+            </a:pPr>
+            <a:r>
+              <a:rPr lang="ru">
+                <a:latin typeface="Roboto Slab"/>
+                <a:ea typeface="Roboto Slab"/>
+                <a:cs typeface="Roboto Slab"/>
+                <a:sym typeface="Roboto Slab"/>
+              </a:rPr>
+              <a:t>Следующие, меньшие по величине, содержат информацию о м</a:t>
+            </a:r>
+            <a:r>
+              <a:rPr b="1" lang="ru">
+                <a:latin typeface="Roboto Slab"/>
+                <a:ea typeface="Roboto Slab"/>
+                <a:cs typeface="Roboto Slab"/>
+                <a:sym typeface="Roboto Slab"/>
+              </a:rPr>
+              <a:t>агнитном моменте.</a:t>
+            </a:r>
+            <a:endParaRPr b="1">
+              <a:latin typeface="Roboto Slab"/>
+              <a:ea typeface="Roboto Slab"/>
+              <a:cs typeface="Roboto Slab"/>
+              <a:sym typeface="Roboto Slab"/>
+            </a:endParaRPr>
+          </a:p>
+        </p:txBody>
+      </p:sp>
+      <p:sp>
+        <p:nvSpPr>
+          <p:cNvPr id="228" name="Google Shape;228;p17"/>
+          <p:cNvSpPr txBox="1"/>
+          <p:nvPr/>
+        </p:nvSpPr>
+        <p:spPr>
+          <a:xfrm>
+            <a:off x="619725" y="1753975"/>
+            <a:ext cx="2420400" cy="596100"/>
+          </a:xfrm>
+          <a:prstGeom prst="rect">
+            <a:avLst/>
+          </a:prstGeom>
+          <a:noFill/>
+          <a:ln>
+            <a:noFill/>
+          </a:ln>
+        </p:spPr>
+        <p:txBody>
+          <a:bodyPr anchorCtr="0" anchor="t" bIns="91425" lIns="91425" spcFirstLastPara="1" rIns="91425" wrap="square" tIns="91425">
+            <a:noAutofit/>
+          </a:bodyPr>
+          <a:lstStyle/>
+          <a:p>
+            <a:pPr indent="0" lvl="0" marL="0" rtl="0" algn="l">
+              <a:spcBef>
+                <a:spcPts val="0"/>
+              </a:spcBef>
+              <a:spcAft>
+                <a:spcPts val="0"/>
+              </a:spcAft>
+              <a:buNone/>
+            </a:pPr>
+            <a:r>
+              <a:rPr lang="ru">
+                <a:latin typeface="Roboto"/>
+                <a:ea typeface="Roboto"/>
+                <a:cs typeface="Roboto"/>
+                <a:sym typeface="Roboto"/>
+              </a:rPr>
+              <a:t>Для рассмотрения:</a:t>
+            </a:r>
+            <a:endParaRPr>
+              <a:latin typeface="Roboto"/>
+              <a:ea typeface="Roboto"/>
+              <a:cs typeface="Roboto"/>
+              <a:sym typeface="Roboto"/>
+            </a:endParaRPr>
+          </a:p>
+          <a:p>
+            <a:pPr indent="0" lvl="0" marL="0" rtl="0" algn="l">
+              <a:spcBef>
+                <a:spcPts val="0"/>
+              </a:spcBef>
+              <a:spcAft>
+                <a:spcPts val="0"/>
+              </a:spcAft>
+              <a:buNone/>
+            </a:pPr>
+            <a:r>
+              <a:t/>
+            </a:r>
+            <a:endParaRPr>
+              <a:latin typeface="Roboto"/>
+              <a:ea typeface="Roboto"/>
+              <a:cs typeface="Roboto"/>
+              <a:sym typeface="Roboto"/>
+            </a:endParaRPr>
+          </a:p>
+        </p:txBody>
+      </p:sp>
+      <p:pic>
+        <p:nvPicPr>
+          <p:cNvPr id="229" name="Google Shape;229;p17"/>
+          <p:cNvPicPr preferRelativeResize="0"/>
+          <p:nvPr/>
+        </p:nvPicPr>
+        <p:blipFill>
+          <a:blip r:embed="rId3">
+            <a:alphaModFix/>
+          </a:blip>
+          <a:stretch>
+            <a:fillRect/>
+          </a:stretch>
+        </p:blipFill>
+        <p:spPr>
+          <a:xfrm>
+            <a:off x="2491025" y="1751988"/>
+            <a:ext cx="2085975" cy="600075"/>
+          </a:xfrm>
+          <a:prstGeom prst="rect">
+            <a:avLst/>
+          </a:prstGeom>
+          <a:noFill/>
+          <a:ln>
+            <a:noFill/>
+          </a:ln>
+        </p:spPr>
+      </p:pic>
+      <p:pic>
+        <p:nvPicPr>
+          <p:cNvPr id="230" name="Google Shape;230;p17"/>
+          <p:cNvPicPr preferRelativeResize="0"/>
+          <p:nvPr/>
+        </p:nvPicPr>
+        <p:blipFill>
+          <a:blip r:embed="rId4">
+            <a:alphaModFix/>
+          </a:blip>
+          <a:stretch>
+            <a:fillRect/>
+          </a:stretch>
+        </p:blipFill>
+        <p:spPr>
+          <a:xfrm>
+            <a:off x="725350" y="2457688"/>
+            <a:ext cx="3514725" cy="638175"/>
+          </a:xfrm>
+          <a:prstGeom prst="rect">
+            <a:avLst/>
+          </a:prstGeom>
+          <a:noFill/>
+          <a:ln>
+            <a:noFill/>
+          </a:ln>
+        </p:spPr>
+      </p:pic>
+      <p:sp>
+        <p:nvSpPr>
+          <p:cNvPr id="231" name="Google Shape;231;p17"/>
+          <p:cNvSpPr txBox="1"/>
+          <p:nvPr/>
+        </p:nvSpPr>
+        <p:spPr>
+          <a:xfrm>
+            <a:off x="958825" y="3145450"/>
+            <a:ext cx="7752600" cy="1122600"/>
+          </a:xfrm>
+          <a:prstGeom prst="rect">
+            <a:avLst/>
+          </a:prstGeom>
+          <a:noFill/>
+          <a:ln>
+            <a:noFill/>
+          </a:ln>
+        </p:spPr>
+        <p:txBody>
+          <a:bodyPr anchorCtr="0" anchor="t" bIns="91425" lIns="91425" spcFirstLastPara="1" rIns="91425" wrap="square" tIns="91425">
+            <a:noAutofit/>
+          </a:bodyPr>
+          <a:lstStyle/>
+          <a:p>
+            <a:pPr indent="-317500" lvl="0" marL="457200" rtl="0" algn="l">
+              <a:spcBef>
+                <a:spcPts val="0"/>
+              </a:spcBef>
+              <a:spcAft>
+                <a:spcPts val="0"/>
+              </a:spcAft>
+              <a:buSzPts val="1400"/>
+              <a:buFont typeface="Roboto"/>
+              <a:buAutoNum type="arabicPeriod"/>
+            </a:pPr>
+            <a:r>
+              <a:rPr lang="ru">
+                <a:latin typeface="Roboto"/>
+                <a:ea typeface="Roboto"/>
+                <a:cs typeface="Roboto"/>
+                <a:sym typeface="Roboto"/>
+              </a:rPr>
+              <a:t>Первые два связаны с кинетической энергией</a:t>
+            </a:r>
+            <a:endParaRPr>
+              <a:latin typeface="Roboto"/>
+              <a:ea typeface="Roboto"/>
+              <a:cs typeface="Roboto"/>
+              <a:sym typeface="Roboto"/>
+            </a:endParaRPr>
+          </a:p>
+          <a:p>
+            <a:pPr indent="-317500" lvl="0" marL="457200" rtl="0" algn="l">
+              <a:spcBef>
+                <a:spcPts val="0"/>
+              </a:spcBef>
+              <a:spcAft>
+                <a:spcPts val="0"/>
+              </a:spcAft>
+              <a:buSzPts val="1400"/>
+              <a:buFont typeface="Roboto"/>
+              <a:buAutoNum type="arabicPeriod"/>
+            </a:pPr>
+            <a:r>
+              <a:rPr lang="ru">
+                <a:latin typeface="Roboto"/>
+                <a:ea typeface="Roboto"/>
+                <a:cs typeface="Roboto"/>
+                <a:sym typeface="Roboto"/>
+              </a:rPr>
+              <a:t>Третье описывает зеемановское взаимодействие спина электрона с магнитным полем волны</a:t>
+            </a:r>
+            <a:endParaRPr>
+              <a:latin typeface="Roboto"/>
+              <a:ea typeface="Roboto"/>
+              <a:cs typeface="Roboto"/>
+              <a:sym typeface="Roboto"/>
+            </a:endParaRPr>
+          </a:p>
+          <a:p>
+            <a:pPr indent="-317500" lvl="0" marL="457200" rtl="0" algn="l">
+              <a:spcBef>
+                <a:spcPts val="0"/>
+              </a:spcBef>
+              <a:spcAft>
+                <a:spcPts val="0"/>
+              </a:spcAft>
+              <a:buSzPts val="1400"/>
+              <a:buFont typeface="Roboto"/>
+              <a:buAutoNum type="arabicPeriod"/>
+            </a:pPr>
+            <a:r>
+              <a:rPr lang="ru">
+                <a:latin typeface="Roboto"/>
+                <a:ea typeface="Roboto"/>
+                <a:cs typeface="Roboto"/>
+                <a:sym typeface="Roboto"/>
+              </a:rPr>
+              <a:t>Четвертое обусловлено спин-</a:t>
+            </a:r>
+            <a:r>
+              <a:rPr lang="ru">
+                <a:latin typeface="Roboto"/>
+                <a:ea typeface="Roboto"/>
+                <a:cs typeface="Roboto"/>
+                <a:sym typeface="Roboto"/>
+              </a:rPr>
+              <a:t>орбитальным</a:t>
+            </a:r>
+            <a:r>
+              <a:rPr lang="ru">
+                <a:latin typeface="Roboto"/>
+                <a:ea typeface="Roboto"/>
+                <a:cs typeface="Roboto"/>
+                <a:sym typeface="Roboto"/>
+              </a:rPr>
+              <a:t> взаимоде</a:t>
+            </a:r>
+            <a:r>
+              <a:rPr lang="ru">
+                <a:latin typeface="Roboto"/>
+                <a:ea typeface="Roboto"/>
+                <a:cs typeface="Roboto"/>
+                <a:sym typeface="Roboto"/>
+              </a:rPr>
+              <a:t>йствием</a:t>
+            </a:r>
+            <a:endParaRPr>
+              <a:latin typeface="Roboto"/>
+              <a:ea typeface="Roboto"/>
+              <a:cs typeface="Roboto"/>
+              <a:sym typeface="Roboto"/>
+            </a:endParaRPr>
+          </a:p>
+        </p:txBody>
+      </p:sp>
+    </p:spTree>
+  </p:cSld>
+  <p:clrMapOvr>
+    <a:masterClrMapping/>
+  </p:clrMapOvr>
+</p:sld>
+</file>
+
+<file path=ppt/slides/slide5.xml><?xml version="1.0" encoding="utf-8"?>
+<p:sld xmlns:a="http://schemas.openxmlformats.org/drawingml/2006/main" xmlns:r="http://schemas.openxmlformats.org/officeDocument/2006/relationships" xmlns:mc="http://schemas.openxmlformats.org/markup-compatibility/2006" xmlns:mv="urn:schemas-microsoft-com:mac:vml" xmlns:p="http://schemas.openxmlformats.org/presentationml/2006/main" xmlns:c="http://schemas.openxmlformats.org/drawingml/2006/chart" xmlns:dgm="http://schemas.openxmlformats.org/drawingml/2006/diagram" xmlns:o="urn:schemas-microsoft-com:office:office" xmlns:v="urn:schemas-microsoft-com:vml" xmlns:pvml="urn:schemas-microsoft-com:office:powerpoint" xmlns:com="http://schemas.openxmlformats.org/drawingml/2006/compatibility" xmlns:p14="http://schemas.microsoft.com/office/powerpoint/2010/main" xmlns:p15="http://schemas.microsoft.com/office/powerpoint/2012/main">
+  <p:cSld>
+    <p:spTree>
+      <p:nvGrpSpPr>
+        <p:cNvPr id="235" name="Shape 235"/>
+        <p:cNvGrpSpPr/>
+        <p:nvPr/>
+      </p:nvGrpSpPr>
+      <p:grpSpPr>
+        <a:xfrm>
+          <a:off x="0" y="0"/>
+          <a:ext cx="0" cy="0"/>
+          <a:chOff x="0" y="0"/>
+          <a:chExt cx="0" cy="0"/>
+        </a:xfrm>
+      </p:grpSpPr>
+      <p:pic>
+        <p:nvPicPr>
+          <p:cNvPr id="236" name="Google Shape;236;p18"/>
+          <p:cNvPicPr preferRelativeResize="0"/>
+          <p:nvPr/>
+        </p:nvPicPr>
+        <p:blipFill>
+          <a:blip r:embed="rId3">
+            <a:alphaModFix/>
+          </a:blip>
+          <a:stretch>
+            <a:fillRect/>
+          </a:stretch>
+        </p:blipFill>
+        <p:spPr>
+          <a:xfrm>
+            <a:off x="152400" y="152400"/>
+            <a:ext cx="5915025" cy="3533775"/>
+          </a:xfrm>
+          <a:prstGeom prst="rect">
+            <a:avLst/>
+          </a:prstGeom>
+          <a:noFill/>
+          <a:ln>
+            <a:noFill/>
+          </a:ln>
+        </p:spPr>
+      </p:pic>
+      <p:pic>
+        <p:nvPicPr>
+          <p:cNvPr id="237" name="Google Shape;237;p18"/>
+          <p:cNvPicPr preferRelativeResize="0"/>
+          <p:nvPr/>
+        </p:nvPicPr>
+        <p:blipFill>
+          <a:blip r:embed="rId4">
+            <a:alphaModFix/>
+          </a:blip>
+          <a:stretch>
+            <a:fillRect/>
+          </a:stretch>
+        </p:blipFill>
+        <p:spPr>
+          <a:xfrm>
+            <a:off x="4469925" y="3500675"/>
+            <a:ext cx="4010156" cy="1152525"/>
+          </a:xfrm>
+          <a:prstGeom prst="rect">
+            <a:avLst/>
+          </a:prstGeom>
+          <a:noFill/>
+          <a:ln>
+            <a:noFill/>
+          </a:ln>
+        </p:spPr>
+      </p:pic>
+    </p:spTree>
+  </p:cSld>
+  <p:clrMapOvr>
+    <a:masterClrMapping/>
+  </p:clrMapOvr>
+</p:sld>
+</file>
+
+<file path=ppt/slides/slide6.xml><?xml version="1.0" encoding="utf-8"?>
+<p:sld xmlns:a="http://schemas.openxmlformats.org/drawingml/2006/main" xmlns:r="http://schemas.openxmlformats.org/officeDocument/2006/relationships" xmlns:mc="http://schemas.openxmlformats.org/markup-compatibility/2006" xmlns:mv="urn:schemas-microsoft-com:mac:vml" xmlns:p="http://schemas.openxmlformats.org/presentationml/2006/main" xmlns:c="http://schemas.openxmlformats.org/drawingml/2006/chart" xmlns:dgm="http://schemas.openxmlformats.org/drawingml/2006/diagram" xmlns:o="urn:schemas-microsoft-com:office:office" xmlns:v="urn:schemas-microsoft-com:vml" xmlns:pvml="urn:schemas-microsoft-com:office:powerpoint" xmlns:com="http://schemas.openxmlformats.org/drawingml/2006/compatibility" xmlns:p14="http://schemas.microsoft.com/office/powerpoint/2010/main" xmlns:p15="http://schemas.microsoft.com/office/powerpoint/2012/main">
+  <p:cSld>
+    <p:spTree>
+      <p:nvGrpSpPr>
+        <p:cNvPr id="241" name="Shape 241"/>
+        <p:cNvGrpSpPr/>
+        <p:nvPr/>
+      </p:nvGrpSpPr>
+      <p:grpSpPr>
+        <a:xfrm>
+          <a:off x="0" y="0"/>
+          <a:ext cx="0" cy="0"/>
+          <a:chOff x="0" y="0"/>
+          <a:chExt cx="0" cy="0"/>
+        </a:xfrm>
+      </p:grpSpPr>
+      <p:sp>
+        <p:nvSpPr>
+          <p:cNvPr id="242" name="Google Shape;242;p19"/>
+          <p:cNvSpPr txBox="1"/>
+          <p:nvPr/>
+        </p:nvSpPr>
+        <p:spPr>
+          <a:xfrm>
+            <a:off x="222175" y="187100"/>
+            <a:ext cx="6442800" cy="1379700"/>
+          </a:xfrm>
+          <a:prstGeom prst="rect">
+            <a:avLst/>
+          </a:prstGeom>
+          <a:noFill/>
+          <a:ln>
+            <a:noFill/>
+          </a:ln>
+        </p:spPr>
+        <p:txBody>
+          <a:bodyPr anchorCtr="0" anchor="t" bIns="91425" lIns="91425" spcFirstLastPara="1" rIns="91425" wrap="square" tIns="91425">
+            <a:noAutofit/>
+          </a:bodyPr>
+          <a:lstStyle/>
+          <a:p>
+            <a:pPr indent="0" lvl="0" marL="0" rtl="0" algn="l">
+              <a:spcBef>
+                <a:spcPts val="0"/>
+              </a:spcBef>
+              <a:spcAft>
+                <a:spcPts val="0"/>
+              </a:spcAft>
+              <a:buNone/>
+            </a:pPr>
+            <a:r>
+              <a:rPr b="1" lang="ru" sz="1800">
+                <a:latin typeface="Roboto Slab"/>
+                <a:ea typeface="Roboto Slab"/>
+                <a:cs typeface="Roboto Slab"/>
+                <a:sym typeface="Roboto Slab"/>
+              </a:rPr>
+              <a:t>Общие формулы для магнитного рентгеновского рассеяния</a:t>
+            </a:r>
+            <a:endParaRPr b="1" sz="1800">
+              <a:latin typeface="Roboto Slab"/>
+              <a:ea typeface="Roboto Slab"/>
+              <a:cs typeface="Roboto Slab"/>
+              <a:sym typeface="Roboto Slab"/>
+            </a:endParaRPr>
+          </a:p>
+        </p:txBody>
+      </p:sp>
+      <p:sp>
+        <p:nvSpPr>
+          <p:cNvPr id="243" name="Google Shape;243;p19"/>
+          <p:cNvSpPr txBox="1"/>
+          <p:nvPr/>
+        </p:nvSpPr>
+        <p:spPr>
+          <a:xfrm>
+            <a:off x="397575" y="958825"/>
+            <a:ext cx="7752600" cy="1064100"/>
+          </a:xfrm>
+          <a:prstGeom prst="rect">
+            <a:avLst/>
+          </a:prstGeom>
+          <a:noFill/>
+          <a:ln>
+            <a:noFill/>
+          </a:ln>
+        </p:spPr>
+        <p:txBody>
+          <a:bodyPr anchorCtr="0" anchor="t" bIns="91425" lIns="91425" spcFirstLastPara="1" rIns="91425" wrap="square" tIns="91425">
+            <a:noAutofit/>
+          </a:bodyPr>
+          <a:lstStyle/>
+          <a:p>
+            <a:pPr indent="457200" lvl="0" marL="0" rtl="0" algn="l">
+              <a:spcBef>
+                <a:spcPts val="0"/>
+              </a:spcBef>
+              <a:spcAft>
+                <a:spcPts val="0"/>
+              </a:spcAft>
+              <a:buNone/>
+            </a:pPr>
+            <a:r>
+              <a:rPr lang="ru">
+                <a:latin typeface="Roboto"/>
+                <a:ea typeface="Roboto"/>
+                <a:cs typeface="Roboto"/>
+                <a:sym typeface="Roboto"/>
+              </a:rPr>
+              <a:t>Эксперимент по рентгеновскому рассеянию связан с двухфотонным процессом, в котором имеется падающий фотон с </a:t>
+            </a:r>
+            <a:r>
+              <a:rPr b="1" lang="ru">
+                <a:latin typeface="Roboto"/>
+                <a:ea typeface="Roboto"/>
+                <a:cs typeface="Roboto"/>
+                <a:sym typeface="Roboto"/>
+              </a:rPr>
+              <a:t>энергией, волновым вектором и поляризацией</a:t>
+            </a:r>
+            <a:r>
+              <a:rPr lang="ru">
+                <a:latin typeface="Roboto"/>
+                <a:ea typeface="Roboto"/>
+                <a:cs typeface="Roboto"/>
+                <a:sym typeface="Roboto"/>
+              </a:rPr>
+              <a:t>.</a:t>
+            </a:r>
+            <a:endParaRPr>
+              <a:latin typeface="Roboto"/>
+              <a:ea typeface="Roboto"/>
+              <a:cs typeface="Roboto"/>
+              <a:sym typeface="Roboto"/>
+            </a:endParaRPr>
+          </a:p>
+          <a:p>
+            <a:pPr indent="457200" lvl="0" marL="0" rtl="0" algn="l">
+              <a:spcBef>
+                <a:spcPts val="0"/>
+              </a:spcBef>
+              <a:spcAft>
+                <a:spcPts val="0"/>
+              </a:spcAft>
+              <a:buNone/>
+            </a:pPr>
+            <a:r>
+              <a:rPr lang="ru">
+                <a:latin typeface="Roboto"/>
+                <a:ea typeface="Roboto"/>
+                <a:cs typeface="Roboto"/>
+                <a:sym typeface="Roboto"/>
+              </a:rPr>
+              <a:t>В ходе эксперимента фотон </a:t>
+            </a:r>
+            <a:r>
+              <a:rPr lang="ru">
+                <a:latin typeface="Roboto"/>
+                <a:ea typeface="Roboto"/>
+                <a:cs typeface="Roboto"/>
+                <a:sym typeface="Roboto"/>
+              </a:rPr>
+              <a:t>аннигилирует</a:t>
+            </a:r>
+            <a:r>
+              <a:rPr lang="ru">
+                <a:latin typeface="Roboto"/>
+                <a:ea typeface="Roboto"/>
+                <a:cs typeface="Roboto"/>
+                <a:sym typeface="Roboto"/>
+              </a:rPr>
+              <a:t> вылетает новый фотон.</a:t>
+            </a:r>
+            <a:endParaRPr>
+              <a:latin typeface="Roboto"/>
+              <a:ea typeface="Roboto"/>
+              <a:cs typeface="Roboto"/>
+              <a:sym typeface="Roboto"/>
+            </a:endParaRPr>
+          </a:p>
+        </p:txBody>
+      </p:sp>
+      <p:pic>
+        <p:nvPicPr>
+          <p:cNvPr id="244" name="Google Shape;244;p19"/>
+          <p:cNvPicPr preferRelativeResize="0"/>
+          <p:nvPr/>
+        </p:nvPicPr>
+        <p:blipFill>
+          <a:blip r:embed="rId3">
+            <a:alphaModFix/>
+          </a:blip>
+          <a:stretch>
+            <a:fillRect/>
+          </a:stretch>
+        </p:blipFill>
+        <p:spPr>
+          <a:xfrm>
+            <a:off x="2870575" y="1672250"/>
+            <a:ext cx="5886450" cy="600075"/>
+          </a:xfrm>
+          <a:prstGeom prst="rect">
+            <a:avLst/>
+          </a:prstGeom>
+          <a:noFill/>
+          <a:ln>
+            <a:noFill/>
+          </a:ln>
+        </p:spPr>
+      </p:pic>
+      <p:sp>
+        <p:nvSpPr>
+          <p:cNvPr id="245" name="Google Shape;245;p19"/>
+          <p:cNvSpPr txBox="1"/>
+          <p:nvPr/>
+        </p:nvSpPr>
+        <p:spPr>
+          <a:xfrm>
+            <a:off x="280650" y="2272325"/>
+            <a:ext cx="8582700" cy="1169400"/>
+          </a:xfrm>
+          <a:prstGeom prst="rect">
+            <a:avLst/>
+          </a:prstGeom>
+          <a:noFill/>
+          <a:ln>
+            <a:noFill/>
+          </a:ln>
+        </p:spPr>
+        <p:txBody>
+          <a:bodyPr anchorCtr="0" anchor="t" bIns="91425" lIns="91425" spcFirstLastPara="1" rIns="91425" wrap="square" tIns="91425">
+            <a:noAutofit/>
+          </a:bodyPr>
+          <a:lstStyle/>
+          <a:p>
+            <a:pPr indent="457200" lvl="0" marL="0" rtl="0" algn="l">
+              <a:spcBef>
+                <a:spcPts val="0"/>
+              </a:spcBef>
+              <a:spcAft>
+                <a:spcPts val="0"/>
+              </a:spcAft>
+              <a:buNone/>
+            </a:pPr>
+            <a:r>
+              <a:rPr lang="ru">
+                <a:latin typeface="Roboto"/>
+                <a:ea typeface="Roboto"/>
+                <a:cs typeface="Roboto"/>
+                <a:sym typeface="Roboto"/>
+              </a:rPr>
+              <a:t>Из </a:t>
+            </a:r>
+            <a:r>
+              <a:rPr lang="ru">
+                <a:latin typeface="Roboto Slab"/>
+                <a:ea typeface="Roboto Slab"/>
+                <a:cs typeface="Roboto Slab"/>
+                <a:sym typeface="Roboto Slab"/>
+              </a:rPr>
+              <a:t>гамильтониана первое и четвертое слагаемые дают вклад в </a:t>
+            </a:r>
+            <a:r>
+              <a:rPr b="1" lang="ru">
+                <a:latin typeface="Roboto Slab"/>
+                <a:ea typeface="Roboto Slab"/>
+                <a:cs typeface="Roboto Slab"/>
+                <a:sym typeface="Roboto Slab"/>
+              </a:rPr>
+              <a:t>первом порядке </a:t>
+            </a:r>
+            <a:r>
+              <a:rPr lang="ru">
+                <a:latin typeface="Roboto Slab"/>
+                <a:ea typeface="Roboto Slab"/>
+                <a:cs typeface="Roboto Slab"/>
+                <a:sym typeface="Roboto Slab"/>
+              </a:rPr>
+              <a:t>теории возмущений. Второе и третье во второй порядок теории возмущений.</a:t>
+            </a:r>
+            <a:endParaRPr>
+              <a:latin typeface="Roboto Slab"/>
+              <a:ea typeface="Roboto Slab"/>
+              <a:cs typeface="Roboto Slab"/>
+              <a:sym typeface="Roboto Slab"/>
+            </a:endParaRPr>
+          </a:p>
+          <a:p>
+            <a:pPr indent="457200" lvl="0" marL="0" rtl="0" algn="l">
+              <a:spcBef>
+                <a:spcPts val="0"/>
+              </a:spcBef>
+              <a:spcAft>
+                <a:spcPts val="0"/>
+              </a:spcAft>
+              <a:buNone/>
+            </a:pPr>
+            <a:r>
+              <a:rPr lang="ru">
+                <a:latin typeface="Roboto Slab"/>
+                <a:ea typeface="Roboto Slab"/>
+                <a:cs typeface="Roboto Slab"/>
+                <a:sym typeface="Roboto Slab"/>
+              </a:rPr>
+              <a:t>Введем начальное и конечное состояние системы:</a:t>
+            </a:r>
+            <a:endParaRPr>
+              <a:latin typeface="Roboto Slab"/>
+              <a:ea typeface="Roboto Slab"/>
+              <a:cs typeface="Roboto Slab"/>
+              <a:sym typeface="Roboto Slab"/>
+            </a:endParaRPr>
+          </a:p>
+        </p:txBody>
+      </p:sp>
+      <p:pic>
+        <p:nvPicPr>
+          <p:cNvPr id="246" name="Google Shape;246;p19"/>
+          <p:cNvPicPr preferRelativeResize="0"/>
+          <p:nvPr/>
+        </p:nvPicPr>
+        <p:blipFill>
+          <a:blip r:embed="rId4">
+            <a:alphaModFix/>
+          </a:blip>
+          <a:stretch>
+            <a:fillRect/>
+          </a:stretch>
+        </p:blipFill>
+        <p:spPr>
+          <a:xfrm>
+            <a:off x="182425" y="3113575"/>
+            <a:ext cx="4052524" cy="952650"/>
+          </a:xfrm>
+          <a:prstGeom prst="rect">
+            <a:avLst/>
+          </a:prstGeom>
+          <a:noFill/>
+          <a:ln>
+            <a:noFill/>
+          </a:ln>
+        </p:spPr>
+      </p:pic>
+      <p:sp>
+        <p:nvSpPr>
+          <p:cNvPr id="247" name="Google Shape;247;p19"/>
+          <p:cNvSpPr txBox="1"/>
+          <p:nvPr/>
+        </p:nvSpPr>
+        <p:spPr>
+          <a:xfrm>
+            <a:off x="4876025" y="3227300"/>
+            <a:ext cx="3087000" cy="514500"/>
+          </a:xfrm>
+          <a:prstGeom prst="rect">
+            <a:avLst/>
+          </a:prstGeom>
+          <a:noFill/>
+          <a:ln>
+            <a:noFill/>
+          </a:ln>
+        </p:spPr>
+        <p:txBody>
+          <a:bodyPr anchorCtr="0" anchor="t" bIns="91425" lIns="91425" spcFirstLastPara="1" rIns="91425" wrap="square" tIns="91425">
+            <a:noAutofit/>
+          </a:bodyPr>
+          <a:lstStyle/>
+          <a:p>
+            <a:pPr indent="0" lvl="0" marL="0" rtl="0" algn="l">
+              <a:spcBef>
+                <a:spcPts val="0"/>
+              </a:spcBef>
+              <a:spcAft>
+                <a:spcPts val="0"/>
+              </a:spcAft>
+              <a:buNone/>
+            </a:pPr>
+            <a:r>
+              <a:rPr lang="ru">
+                <a:latin typeface="Roboto"/>
+                <a:ea typeface="Roboto"/>
+                <a:cs typeface="Roboto"/>
+                <a:sym typeface="Roboto"/>
+              </a:rPr>
+              <a:t>и энергиями:</a:t>
+            </a:r>
+            <a:endParaRPr>
+              <a:latin typeface="Roboto"/>
+              <a:ea typeface="Roboto"/>
+              <a:cs typeface="Roboto"/>
+              <a:sym typeface="Roboto"/>
+            </a:endParaRPr>
+          </a:p>
+        </p:txBody>
+      </p:sp>
+      <p:pic>
+        <p:nvPicPr>
+          <p:cNvPr id="248" name="Google Shape;248;p19"/>
+          <p:cNvPicPr preferRelativeResize="0"/>
+          <p:nvPr/>
+        </p:nvPicPr>
+        <p:blipFill>
+          <a:blip r:embed="rId5">
+            <a:alphaModFix/>
+          </a:blip>
+          <a:stretch>
+            <a:fillRect/>
+          </a:stretch>
+        </p:blipFill>
+        <p:spPr>
+          <a:xfrm>
+            <a:off x="4876025" y="3813150"/>
+            <a:ext cx="3607809" cy="772475"/>
+          </a:xfrm>
+          <a:prstGeom prst="rect">
+            <a:avLst/>
+          </a:prstGeom>
+          <a:noFill/>
+          <a:ln>
+            <a:noFill/>
+          </a:ln>
+        </p:spPr>
+      </p:pic>
+    </p:spTree>
+  </p:cSld>
+  <p:clrMapOvr>
+    <a:masterClrMapping/>
+  </p:clrMapOvr>
+</p:sld>
+</file>
+
+<file path=ppt/slides/slide7.xml><?xml version="1.0" encoding="utf-8"?>
+<p:sld xmlns:a="http://schemas.openxmlformats.org/drawingml/2006/main" xmlns:r="http://schemas.openxmlformats.org/officeDocument/2006/relationships" xmlns:mc="http://schemas.openxmlformats.org/markup-compatibility/2006" xmlns:mv="urn:schemas-microsoft-com:mac:vml" xmlns:p="http://schemas.openxmlformats.org/presentationml/2006/main" xmlns:c="http://schemas.openxmlformats.org/drawingml/2006/chart" xmlns:dgm="http://schemas.openxmlformats.org/drawingml/2006/diagram" xmlns:o="urn:schemas-microsoft-com:office:office" xmlns:v="urn:schemas-microsoft-com:vml" xmlns:pvml="urn:schemas-microsoft-com:office:powerpoint" xmlns:com="http://schemas.openxmlformats.org/drawingml/2006/compatibility" xmlns:p14="http://schemas.microsoft.com/office/powerpoint/2010/main" xmlns:p15="http://schemas.microsoft.com/office/powerpoint/2012/main">
+  <p:cSld>
+    <p:spTree>
+      <p:nvGrpSpPr>
+        <p:cNvPr id="252" name="Shape 252"/>
+        <p:cNvGrpSpPr/>
+        <p:nvPr/>
+      </p:nvGrpSpPr>
+      <p:grpSpPr>
+        <a:xfrm>
+          <a:off x="0" y="0"/>
+          <a:ext cx="0" cy="0"/>
+          <a:chOff x="0" y="0"/>
+          <a:chExt cx="0" cy="0"/>
+        </a:xfrm>
+      </p:grpSpPr>
+      <p:sp>
+        <p:nvSpPr>
+          <p:cNvPr id="253" name="Google Shape;253;p20"/>
+          <p:cNvSpPr txBox="1"/>
+          <p:nvPr/>
+        </p:nvSpPr>
+        <p:spPr>
+          <a:xfrm>
+            <a:off x="385875" y="257250"/>
+            <a:ext cx="7121100" cy="1099200"/>
+          </a:xfrm>
+          <a:prstGeom prst="rect">
+            <a:avLst/>
+          </a:prstGeom>
+          <a:noFill/>
+          <a:ln>
+            <a:noFill/>
+          </a:ln>
+        </p:spPr>
+        <p:txBody>
+          <a:bodyPr anchorCtr="0" anchor="t" bIns="91425" lIns="91425" spcFirstLastPara="1" rIns="91425" wrap="square" tIns="91425">
+            <a:noAutofit/>
+          </a:bodyPr>
+          <a:lstStyle/>
+          <a:p>
+            <a:pPr indent="0" lvl="0" marL="0" rtl="0" algn="l">
+              <a:spcBef>
+                <a:spcPts val="0"/>
+              </a:spcBef>
+              <a:spcAft>
+                <a:spcPts val="0"/>
+              </a:spcAft>
+              <a:buNone/>
+            </a:pPr>
+            <a:r>
+              <a:rPr lang="ru">
+                <a:latin typeface="Roboto"/>
+                <a:ea typeface="Roboto"/>
+                <a:cs typeface="Roboto"/>
+                <a:sym typeface="Roboto"/>
+              </a:rPr>
+              <a:t>При данных условиях можно определить вероятность рассеяния:</a:t>
+            </a:r>
+            <a:endParaRPr>
+              <a:latin typeface="Roboto"/>
+              <a:ea typeface="Roboto"/>
+              <a:cs typeface="Roboto"/>
+              <a:sym typeface="Roboto"/>
+            </a:endParaRPr>
+          </a:p>
+        </p:txBody>
+      </p:sp>
+      <p:pic>
+        <p:nvPicPr>
+          <p:cNvPr id="254" name="Google Shape;254;p20"/>
+          <p:cNvPicPr preferRelativeResize="0"/>
+          <p:nvPr/>
+        </p:nvPicPr>
+        <p:blipFill>
+          <a:blip r:embed="rId3">
+            <a:alphaModFix/>
+          </a:blip>
+          <a:stretch>
+            <a:fillRect/>
+          </a:stretch>
+        </p:blipFill>
+        <p:spPr>
+          <a:xfrm>
+            <a:off x="385875" y="830625"/>
+            <a:ext cx="6442591" cy="3482250"/>
+          </a:xfrm>
+          <a:prstGeom prst="rect">
+            <a:avLst/>
+          </a:prstGeom>
+          <a:noFill/>
+          <a:ln>
+            <a:noFill/>
+          </a:ln>
+        </p:spPr>
+      </p:pic>
+      <p:pic>
+        <p:nvPicPr>
+          <p:cNvPr id="255" name="Google Shape;255;p20"/>
+          <p:cNvPicPr preferRelativeResize="0"/>
+          <p:nvPr/>
+        </p:nvPicPr>
+        <p:blipFill>
+          <a:blip r:embed="rId4">
+            <a:alphaModFix/>
+          </a:blip>
+          <a:stretch>
+            <a:fillRect/>
+          </a:stretch>
+        </p:blipFill>
+        <p:spPr>
+          <a:xfrm>
+            <a:off x="490275" y="4312875"/>
+            <a:ext cx="6442600" cy="650170"/>
+          </a:xfrm>
+          <a:prstGeom prst="rect">
+            <a:avLst/>
+          </a:prstGeom>
+          <a:noFill/>
+          <a:ln>
+            <a:noFill/>
+          </a:ln>
+        </p:spPr>
+      </p:pic>
+    </p:spTree>
+  </p:cSld>
+  <p:clrMapOvr>
+    <a:masterClrMapping/>
+  </p:clrMapOvr>
+</p:sld>
+</file>
+
+<file path=ppt/slides/slide8.xml><?xml version="1.0" encoding="utf-8"?>
+<p:sld xmlns:a="http://schemas.openxmlformats.org/drawingml/2006/main" xmlns:r="http://schemas.openxmlformats.org/officeDocument/2006/relationships" xmlns:mc="http://schemas.openxmlformats.org/markup-compatibility/2006" xmlns:mv="urn:schemas-microsoft-com:mac:vml" xmlns:p="http://schemas.openxmlformats.org/presentationml/2006/main" xmlns:c="http://schemas.openxmlformats.org/drawingml/2006/chart" xmlns:dgm="http://schemas.openxmlformats.org/drawingml/2006/diagram" xmlns:o="urn:schemas-microsoft-com:office:office" xmlns:v="urn:schemas-microsoft-com:vml" xmlns:pvml="urn:schemas-microsoft-com:office:powerpoint" xmlns:com="http://schemas.openxmlformats.org/drawingml/2006/compatibility" xmlns:p14="http://schemas.microsoft.com/office/powerpoint/2010/main" xmlns:p15="http://schemas.microsoft.com/office/powerpoint/2012/main">
+  <p:cSld>
+    <p:spTree>
+      <p:nvGrpSpPr>
+        <p:cNvPr id="259" name="Shape 259"/>
+        <p:cNvGrpSpPr/>
+        <p:nvPr/>
+      </p:nvGrpSpPr>
+      <p:grpSpPr>
+        <a:xfrm>
+          <a:off x="0" y="0"/>
+          <a:ext cx="0" cy="0"/>
+          <a:chOff x="0" y="0"/>
+          <a:chExt cx="0" cy="0"/>
+        </a:xfrm>
+      </p:grpSpPr>
+      <p:sp>
+        <p:nvSpPr>
+          <p:cNvPr id="260" name="Google Shape;260;p21"/>
+          <p:cNvSpPr txBox="1"/>
+          <p:nvPr/>
+        </p:nvSpPr>
+        <p:spPr>
+          <a:xfrm>
+            <a:off x="315725" y="268950"/>
+            <a:ext cx="6559800" cy="900300"/>
+          </a:xfrm>
+          <a:prstGeom prst="rect">
+            <a:avLst/>
+          </a:prstGeom>
+          <a:noFill/>
+          <a:ln>
+            <a:noFill/>
+          </a:ln>
+        </p:spPr>
+        <p:txBody>
+          <a:bodyPr anchorCtr="0" anchor="t" bIns="91425" lIns="91425" spcFirstLastPara="1" rIns="91425" wrap="square" tIns="91425">
+            <a:noAutofit/>
+          </a:bodyPr>
+          <a:lstStyle/>
+          <a:p>
+            <a:pPr indent="0" lvl="0" marL="0" rtl="0" algn="l">
+              <a:spcBef>
+                <a:spcPts val="0"/>
+              </a:spcBef>
+              <a:spcAft>
+                <a:spcPts val="0"/>
+              </a:spcAft>
+              <a:buNone/>
+            </a:pPr>
+            <a:r>
+              <a:rPr b="1" lang="ru" sz="1800">
+                <a:latin typeface="Roboto Slab"/>
+                <a:ea typeface="Roboto Slab"/>
+                <a:cs typeface="Roboto Slab"/>
+                <a:sym typeface="Roboto Slab"/>
+              </a:rPr>
+              <a:t>Случай Магнитного резонансного упругого рассеяния</a:t>
+            </a:r>
+            <a:endParaRPr b="1" sz="1800">
+              <a:latin typeface="Roboto Slab"/>
+              <a:ea typeface="Roboto Slab"/>
+              <a:cs typeface="Roboto Slab"/>
+              <a:sym typeface="Roboto Slab"/>
+            </a:endParaRPr>
+          </a:p>
+        </p:txBody>
+      </p:sp>
+      <p:sp>
+        <p:nvSpPr>
+          <p:cNvPr id="261" name="Google Shape;261;p21"/>
+          <p:cNvSpPr txBox="1"/>
+          <p:nvPr/>
+        </p:nvSpPr>
+        <p:spPr>
+          <a:xfrm>
+            <a:off x="397575" y="1169300"/>
+            <a:ext cx="2455500" cy="970500"/>
+          </a:xfrm>
+          <a:prstGeom prst="rect">
+            <a:avLst/>
+          </a:prstGeom>
+          <a:noFill/>
+          <a:ln>
+            <a:noFill/>
+          </a:ln>
+        </p:spPr>
+        <p:txBody>
+          <a:bodyPr anchorCtr="0" anchor="t" bIns="91425" lIns="91425" spcFirstLastPara="1" rIns="91425" wrap="square" tIns="91425">
+            <a:noAutofit/>
+          </a:bodyPr>
+          <a:lstStyle/>
+          <a:p>
+            <a:pPr indent="0" lvl="0" marL="0" rtl="0" algn="l">
+              <a:spcBef>
+                <a:spcPts val="0"/>
+              </a:spcBef>
+              <a:spcAft>
+                <a:spcPts val="0"/>
+              </a:spcAft>
+              <a:buNone/>
+            </a:pPr>
+            <a:r>
+              <a:rPr lang="ru">
+                <a:latin typeface="Roboto"/>
+                <a:ea typeface="Roboto"/>
+                <a:cs typeface="Roboto"/>
+                <a:sym typeface="Roboto"/>
+              </a:rPr>
+              <a:t>В этом случае </a:t>
+            </a:r>
+            <a:endParaRPr>
+              <a:latin typeface="Roboto"/>
+              <a:ea typeface="Roboto"/>
+              <a:cs typeface="Roboto"/>
+              <a:sym typeface="Roboto"/>
+            </a:endParaRPr>
+          </a:p>
+        </p:txBody>
+      </p:sp>
+      <p:pic>
+        <p:nvPicPr>
+          <p:cNvPr id="262" name="Google Shape;262;p21"/>
+          <p:cNvPicPr preferRelativeResize="0"/>
+          <p:nvPr/>
+        </p:nvPicPr>
+        <p:blipFill>
+          <a:blip r:embed="rId3">
+            <a:alphaModFix/>
+          </a:blip>
+          <a:stretch>
+            <a:fillRect/>
+          </a:stretch>
+        </p:blipFill>
+        <p:spPr>
+          <a:xfrm>
+            <a:off x="1742650" y="1216425"/>
+            <a:ext cx="2124075" cy="371475"/>
+          </a:xfrm>
+          <a:prstGeom prst="rect">
+            <a:avLst/>
+          </a:prstGeom>
+          <a:noFill/>
+          <a:ln>
+            <a:noFill/>
+          </a:ln>
+        </p:spPr>
+      </p:pic>
+      <p:sp>
+        <p:nvSpPr>
+          <p:cNvPr id="263" name="Google Shape;263;p21"/>
+          <p:cNvSpPr txBox="1"/>
+          <p:nvPr/>
+        </p:nvSpPr>
+        <p:spPr>
+          <a:xfrm>
+            <a:off x="432650" y="1859200"/>
+            <a:ext cx="8383800" cy="1008300"/>
+          </a:xfrm>
+          <a:prstGeom prst="rect">
+            <a:avLst/>
+          </a:prstGeom>
+          <a:noFill/>
+          <a:ln>
+            <a:noFill/>
+          </a:ln>
+        </p:spPr>
+        <p:txBody>
+          <a:bodyPr anchorCtr="0" anchor="t" bIns="91425" lIns="91425" spcFirstLastPara="1" rIns="91425" wrap="square" tIns="91425">
+            <a:noAutofit/>
+          </a:bodyPr>
+          <a:lstStyle/>
+          <a:p>
+            <a:pPr indent="0" lvl="0" marL="0" rtl="0" algn="l">
+              <a:spcBef>
+                <a:spcPts val="0"/>
+              </a:spcBef>
+              <a:spcAft>
+                <a:spcPts val="0"/>
+              </a:spcAft>
+              <a:buNone/>
+            </a:pPr>
+            <a:r>
+              <a:rPr lang="ru">
+                <a:latin typeface="Roboto"/>
+                <a:ea typeface="Roboto"/>
+                <a:cs typeface="Roboto"/>
+                <a:sym typeface="Roboto"/>
+              </a:rPr>
+              <a:t>	Энергия гамма-кванта близка к энергии промежуточного состояния с дыркой на внутренней атомной оболочке и электроном выше уровня Ферми.</a:t>
+            </a:r>
+            <a:endParaRPr>
+              <a:latin typeface="Roboto"/>
+              <a:ea typeface="Roboto"/>
+              <a:cs typeface="Roboto"/>
+              <a:sym typeface="Roboto"/>
+            </a:endParaRPr>
+          </a:p>
+          <a:p>
+            <a:pPr indent="0" lvl="0" marL="0" rtl="0" algn="l">
+              <a:spcBef>
+                <a:spcPts val="0"/>
+              </a:spcBef>
+              <a:spcAft>
+                <a:spcPts val="0"/>
+              </a:spcAft>
+              <a:buNone/>
+            </a:pPr>
+            <a:r>
+              <a:rPr lang="ru">
+                <a:latin typeface="Roboto"/>
+                <a:ea typeface="Roboto"/>
+                <a:cs typeface="Roboto"/>
+                <a:sym typeface="Roboto"/>
+              </a:rPr>
+              <a:t>	Данное приближение разумно для </a:t>
+            </a:r>
+            <a:r>
+              <a:rPr b="1" lang="ru">
+                <a:latin typeface="Roboto"/>
+                <a:ea typeface="Roboto"/>
+                <a:cs typeface="Roboto"/>
+                <a:sym typeface="Roboto"/>
+              </a:rPr>
+              <a:t>4f-электронов редко-земельных металлов</a:t>
+            </a:r>
+            <a:r>
+              <a:rPr lang="ru">
+                <a:latin typeface="Roboto"/>
+                <a:ea typeface="Roboto"/>
+                <a:cs typeface="Roboto"/>
+                <a:sym typeface="Roboto"/>
+              </a:rPr>
+              <a:t> и менее для 3d-металлов.</a:t>
+            </a:r>
+            <a:endParaRPr>
+              <a:latin typeface="Roboto"/>
+              <a:ea typeface="Roboto"/>
+              <a:cs typeface="Roboto"/>
+              <a:sym typeface="Roboto"/>
+            </a:endParaRPr>
+          </a:p>
+          <a:p>
+            <a:pPr indent="0" lvl="0" marL="0" rtl="0" algn="l">
+              <a:spcBef>
+                <a:spcPts val="0"/>
+              </a:spcBef>
+              <a:spcAft>
+                <a:spcPts val="0"/>
+              </a:spcAft>
+              <a:buNone/>
+            </a:pPr>
+            <a:r>
+              <a:rPr lang="ru">
+                <a:latin typeface="Roboto"/>
+                <a:ea typeface="Roboto"/>
+                <a:cs typeface="Roboto"/>
+                <a:sym typeface="Roboto"/>
+              </a:rPr>
+              <a:t>	</a:t>
+            </a:r>
+            <a:endParaRPr>
+              <a:latin typeface="Roboto"/>
+              <a:ea typeface="Roboto"/>
+              <a:cs typeface="Roboto"/>
+              <a:sym typeface="Roboto"/>
+            </a:endParaRPr>
+          </a:p>
+        </p:txBody>
+      </p:sp>
+      <p:pic>
+        <p:nvPicPr>
+          <p:cNvPr id="264" name="Google Shape;264;p21"/>
+          <p:cNvPicPr preferRelativeResize="0"/>
+          <p:nvPr/>
+        </p:nvPicPr>
+        <p:blipFill>
+          <a:blip r:embed="rId4">
+            <a:alphaModFix/>
+          </a:blip>
+          <a:stretch>
+            <a:fillRect/>
+          </a:stretch>
+        </p:blipFill>
+        <p:spPr>
+          <a:xfrm>
+            <a:off x="5121575" y="3094700"/>
+            <a:ext cx="4022424" cy="1991800"/>
+          </a:xfrm>
+          <a:prstGeom prst="rect">
+            <a:avLst/>
+          </a:prstGeom>
+          <a:noFill/>
+          <a:ln>
+            <a:noFill/>
+          </a:ln>
+        </p:spPr>
+      </p:pic>
+      <p:sp>
+        <p:nvSpPr>
+          <p:cNvPr id="265" name="Google Shape;265;p21"/>
+          <p:cNvSpPr txBox="1"/>
+          <p:nvPr/>
+        </p:nvSpPr>
+        <p:spPr>
+          <a:xfrm>
+            <a:off x="268950" y="3028500"/>
+            <a:ext cx="4922700" cy="1882500"/>
+          </a:xfrm>
+          <a:prstGeom prst="rect">
+            <a:avLst/>
+          </a:prstGeom>
+          <a:noFill/>
+          <a:ln>
+            <a:noFill/>
+          </a:ln>
+        </p:spPr>
+        <p:txBody>
+          <a:bodyPr anchorCtr="0" anchor="t" bIns="91425" lIns="91425" spcFirstLastPara="1" rIns="91425" wrap="square" tIns="91425">
+            <a:noAutofit/>
+          </a:bodyPr>
+          <a:lstStyle/>
+          <a:p>
+            <a:pPr indent="0" lvl="0" marL="0" rtl="0" algn="l">
+              <a:spcBef>
+                <a:spcPts val="0"/>
+              </a:spcBef>
+              <a:spcAft>
+                <a:spcPts val="0"/>
+              </a:spcAft>
+              <a:buNone/>
+            </a:pPr>
+            <a:r>
+              <a:rPr lang="ru">
+                <a:latin typeface="Roboto"/>
+                <a:ea typeface="Roboto"/>
+                <a:cs typeface="Roboto"/>
+                <a:sym typeface="Roboto"/>
+              </a:rPr>
+              <a:t>Особенности:</a:t>
+            </a:r>
+            <a:endParaRPr>
+              <a:latin typeface="Roboto"/>
+              <a:ea typeface="Roboto"/>
+              <a:cs typeface="Roboto"/>
+              <a:sym typeface="Roboto"/>
+            </a:endParaRPr>
+          </a:p>
+          <a:p>
+            <a:pPr indent="-317500" lvl="0" marL="457200" rtl="0" algn="l">
+              <a:spcBef>
+                <a:spcPts val="0"/>
+              </a:spcBef>
+              <a:spcAft>
+                <a:spcPts val="0"/>
+              </a:spcAft>
+              <a:buSzPts val="1400"/>
+              <a:buFont typeface="Roboto"/>
+              <a:buChar char="●"/>
+            </a:pPr>
+            <a:r>
+              <a:rPr lang="ru">
+                <a:latin typeface="Roboto"/>
+                <a:ea typeface="Roboto"/>
+                <a:cs typeface="Roboto"/>
+                <a:sym typeface="Roboto"/>
+              </a:rPr>
+              <a:t>имеется зависимость от номера оболочки</a:t>
+            </a:r>
+            <a:endParaRPr>
+              <a:latin typeface="Roboto"/>
+              <a:ea typeface="Roboto"/>
+              <a:cs typeface="Roboto"/>
+              <a:sym typeface="Roboto"/>
+            </a:endParaRPr>
+          </a:p>
+          <a:p>
+            <a:pPr indent="-317500" lvl="0" marL="457200" rtl="0" algn="l">
+              <a:spcBef>
+                <a:spcPts val="0"/>
+              </a:spcBef>
+              <a:spcAft>
+                <a:spcPts val="0"/>
+              </a:spcAft>
+              <a:buSzPts val="1400"/>
+              <a:buFont typeface="Roboto"/>
+              <a:buChar char="●"/>
+            </a:pPr>
+            <a:r>
+              <a:rPr lang="ru">
+                <a:latin typeface="Roboto"/>
+                <a:ea typeface="Roboto"/>
+                <a:cs typeface="Roboto"/>
+                <a:sym typeface="Roboto"/>
+              </a:rPr>
+              <a:t>получено до дипольного приближения и возбуждения с р-уровня зависят от заполнения и от магнитных свойств d-состояний</a:t>
+            </a:r>
+            <a:endParaRPr>
+              <a:latin typeface="Roboto"/>
+              <a:ea typeface="Roboto"/>
+              <a:cs typeface="Roboto"/>
+              <a:sym typeface="Roboto"/>
+            </a:endParaRPr>
+          </a:p>
+          <a:p>
+            <a:pPr indent="0" lvl="0" marL="0" rtl="0" algn="l">
+              <a:spcBef>
+                <a:spcPts val="0"/>
+              </a:spcBef>
+              <a:spcAft>
+                <a:spcPts val="0"/>
+              </a:spcAft>
+              <a:buNone/>
+            </a:pPr>
+            <a:r>
+              <a:t/>
+            </a:r>
+            <a:endParaRPr>
+              <a:latin typeface="Roboto"/>
+              <a:ea typeface="Roboto"/>
+              <a:cs typeface="Roboto"/>
+              <a:sym typeface="Roboto"/>
+            </a:endParaRPr>
+          </a:p>
+          <a:p>
+            <a:pPr indent="0" lvl="0" marL="0" rtl="0" algn="l">
+              <a:spcBef>
+                <a:spcPts val="0"/>
+              </a:spcBef>
+              <a:spcAft>
+                <a:spcPts val="0"/>
+              </a:spcAft>
+              <a:buNone/>
+            </a:pPr>
+            <a:r>
+              <a:rPr lang="ru">
+                <a:latin typeface="Roboto"/>
+                <a:ea typeface="Roboto"/>
+                <a:cs typeface="Roboto"/>
+                <a:sym typeface="Roboto"/>
+              </a:rPr>
+              <a:t>	</a:t>
+            </a:r>
+            <a:endParaRPr>
+              <a:latin typeface="Roboto"/>
+              <a:ea typeface="Roboto"/>
+              <a:cs typeface="Roboto"/>
+              <a:sym typeface="Roboto"/>
+            </a:endParaRPr>
+          </a:p>
+          <a:p>
+            <a:pPr indent="0" lvl="0" marL="0" rtl="0" algn="l">
+              <a:spcBef>
+                <a:spcPts val="0"/>
+              </a:spcBef>
+              <a:spcAft>
+                <a:spcPts val="0"/>
+              </a:spcAft>
+              <a:buNone/>
+            </a:pPr>
+            <a:r>
+              <a:t/>
+            </a:r>
+            <a:endParaRPr>
+              <a:latin typeface="Roboto"/>
+              <a:ea typeface="Roboto"/>
+              <a:cs typeface="Roboto"/>
+              <a:sym typeface="Roboto"/>
+            </a:endParaRPr>
+          </a:p>
+        </p:txBody>
+      </p:sp>
+    </p:spTree>
+  </p:cSld>
+  <p:clrMapOvr>
+    <a:masterClrMapping/>
+  </p:clrMapOvr>
+</p:sld>
+</file>
+
+<file path=ppt/slides/slide9.xml><?xml version="1.0" encoding="utf-8"?>
+<p:sld xmlns:a="http://schemas.openxmlformats.org/drawingml/2006/main" xmlns:r="http://schemas.openxmlformats.org/officeDocument/2006/relationships" xmlns:mc="http://schemas.openxmlformats.org/markup-compatibility/2006" xmlns:mv="urn:schemas-microsoft-com:mac:vml" xmlns:p="http://schemas.openxmlformats.org/presentationml/2006/main" xmlns:c="http://schemas.openxmlformats.org/drawingml/2006/chart" xmlns:dgm="http://schemas.openxmlformats.org/drawingml/2006/diagram" xmlns:o="urn:schemas-microsoft-com:office:office" xmlns:v="urn:schemas-microsoft-com:vml" xmlns:pvml="urn:schemas-microsoft-com:office:powerpoint" xmlns:com="http://schemas.openxmlformats.org/drawingml/2006/compatibility" xmlns:p14="http://schemas.microsoft.com/office/powerpoint/2010/main" xmlns:p15="http://schemas.microsoft.com/office/powerpoint/2012/main">
+  <p:cSld>
+    <p:spTree>
+      <p:nvGrpSpPr>
+        <p:cNvPr id="269" name="Shape 269"/>
+        <p:cNvGrpSpPr/>
+        <p:nvPr/>
+      </p:nvGrpSpPr>
+      <p:grpSpPr>
+        <a:xfrm>
+          <a:off x="0" y="0"/>
+          <a:ext cx="0" cy="0"/>
+          <a:chOff x="0" y="0"/>
+          <a:chExt cx="0" cy="0"/>
+        </a:xfrm>
+      </p:grpSpPr>
+      <p:pic>
+        <p:nvPicPr>
+          <p:cNvPr id="270" name="Google Shape;270;p22"/>
+          <p:cNvPicPr preferRelativeResize="0"/>
+          <p:nvPr/>
+        </p:nvPicPr>
+        <p:blipFill>
+          <a:blip r:embed="rId3">
+            <a:alphaModFix/>
+          </a:blip>
+          <a:stretch>
+            <a:fillRect/>
+          </a:stretch>
+        </p:blipFill>
+        <p:spPr>
+          <a:xfrm>
+            <a:off x="152400" y="152400"/>
+            <a:ext cx="5735671" cy="4838701"/>
+          </a:xfrm>
+          <a:prstGeom prst="rect">
+            <a:avLst/>
+          </a:prstGeom>
+          <a:noFill/>
+          <a:ln>
+            <a:noFill/>
+          </a:ln>
+        </p:spPr>
+      </p:pic>
+    </p:spTree>
+  </p:cSld>
+  <p:clrMapOvr>
+    <a:masterClrMapping/>
+  </p:clrMapOvr>
+</p:sld>
+</file>
+
 <file path=ppt/theme/theme1.xml><?xml version="1.0" encoding="utf-8"?>
+<a:theme xmlns:a="http://schemas.openxmlformats.org/drawingml/2006/main" xmlns:r="http://schemas.openxmlformats.org/officeDocument/2006/relationships">
+  <a:themeElements>
+    <a:clrScheme name="Default">
+      <a:dk1>
+        <a:srgbClr val="000000"/>
+      </a:dk1>
+      <a:lt1>
+        <a:srgbClr val="FFFFFF"/>
+      </a:lt1>
+      <a:dk2>
+        <a:srgbClr val="158158"/>
+      </a:dk2>
+      <a:lt2>
+        <a:srgbClr val="F3F3F3"/>
+      </a:lt2>
+      <a:accent1>
+        <a:srgbClr val="058DC7"/>
+      </a:accent1>
+      <a:accent2>
+        <a:srgbClr val="50B432"/>
+      </a:accent2>
+      <a:accent3>
+        <a:srgbClr val="ED561B"/>
+      </a:accent3>
+      <a:accent4>
+        <a:srgbClr val="EDEF00"/>
+      </a:accent4>
+      <a:accent5>
+        <a:srgbClr val="24CBE5"/>
+      </a:accent5>
+      <a:accent6>
+        <a:srgbClr val="64E572"/>
+      </a:accent6>
+      <a:hlink>
+        <a:srgbClr val="2200CC"/>
+      </a:hlink>
+      <a:folHlink>
+        <a:srgbClr val="551A8B"/>
+      </a:folHlink>
+    </a:clrScheme>
+    <a:fontScheme name="Office">
+      <a:majorFont>
+        <a:latin typeface="Arial"/>
+        <a:ea typeface=""/>
+        <a:cs typeface=""/>
+        <a:font script="Jpan" typeface="ＭＳ Ｐゴシック"/>
+        <a:font script="Hang" typeface="맑은 고딕"/>
+        <a:font script="Hans" typeface="宋体"/>
+        <a:font script="Hant" typeface="新細明體"/>
+        <a:font script="Arab" typeface="Times New Roman"/>
+        <a:font script="Hebr" typeface="Times New Roman"/>
+        <a:font script="Thai" typeface="Angsana New"/>
+        <a:font script="Ethi" typeface="Nyala"/>
+        <a:font script="Beng" typeface="Vrinda"/>
+        <a:font script="Gujr" typeface="Shruti"/>
+        <a:font script="Khmr" typeface="MoolBoran"/>
+        <a:font script="Knda" typeface="Tunga"/>
+        <a:font script="Guru" typeface="Raavi"/>
+        <a:font script="Cans" typeface="Euphemia"/>
+        <a:font script="Cher" typeface="Plantagenet Cherokee"/>
+        <a:font script="Yiii" typeface="Microsoft Yi Baiti"/>
+        <a:font script="Tibt" typeface="Microsoft Himalaya"/>
+        <a:font script="Thaa" typeface="MV Boli"/>
+        <a:font script="Deva" typeface="Mangal"/>
+        <a:font script="Telu" typeface="Gautami"/>
+        <a:font script="Taml" typeface="Latha"/>
+        <a:font script="Syrc" typeface="Estrangelo Edessa"/>
+        <a:font script="Orya" typeface="Kalinga"/>
+        <a:font script="Mlym" typeface="Kartika"/>
+        <a:font script="Laoo" typeface="DokChampa"/>
+        <a:font script="Sinh" typeface="Iskoola Pota"/>
+        <a:font script="Mong" typeface="Mongolian Baiti"/>
+        <a:font script="Viet" typeface="Times New Roman"/>
+        <a:font script="Uigh" typeface="Microsoft Uighur"/>
+        <a:font script="Geor" typeface="Sylfaen"/>
+      </a:majorFont>
+      <a:minorFont>
+        <a:latin typeface="Arial"/>
+        <a:ea typeface=""/>
+        <a:cs typeface=""/>
+        <a:font script="Jpan" typeface="ＭＳ Ｐゴシック"/>
+        <a:font script="Hang" typeface="맑은 고딕"/>
+        <a:font script="Hans" typeface="宋体"/>
+        <a:font script="Hant" typeface="新細明體"/>
+        <a:font script="Arab" typeface="Arial"/>
+        <a:font script="Hebr" typeface="Arial"/>
+        <a:font script="Thai" typeface="Cordia New"/>
+        <a:font script="Ethi" typeface="Nyala"/>
+        <a:font script="Beng" typeface="Vrinda"/>
+        <a:font script="Gujr" typeface="Shruti"/>
+        <a:font script="Khmr" typeface="DaunPenh"/>
+        <a:font script="Knda" typeface="Tunga"/>
+        <a:font script="Guru" typeface="Raavi"/>
+        <a:font script="Cans" typeface="Euphemia"/>
+        <a:font script="Cher" typeface="Plantagenet Cherokee"/>
+        <a:font script="Yiii" typeface="Microsoft Yi Baiti"/>
+        <a:font script="Tibt" typeface="Microsoft Himalaya"/>
+        <a:font script="Thaa" typeface="MV Boli"/>
+        <a:font script="Deva" typeface="Mangal"/>
+        <a:font script="Telu" typeface="Gautami"/>
+        <a:font script="Taml" typeface="Latha"/>
+        <a:font script="Syrc" typeface="Estrangelo Edessa"/>
+        <a:font script="Orya" typeface="Kalinga"/>
+        <a:font script="Mlym" typeface="Kartika"/>
+        <a:font script="Laoo" typeface="DokChampa"/>
+        <a:font script="Sinh" typeface="Iskoola Pota"/>
+        <a:font script="Mong" typeface="Mongolian Baiti"/>
+        <a:font script="Viet" typeface="Arial"/>
+        <a:font script="Uigh" typeface="Microsoft Uighur"/>
+        <a:font script="Geor" typeface="Sylfaen"/>
+      </a:minorFont>
+    </a:fontScheme>
+    <a:fmtScheme name="Office">
+      <a:fillStyleLst>
+        <a:solidFill>
+          <a:schemeClr val="phClr"/>
+        </a:solidFill>
+        <a:gradFill rotWithShape="1">
+          <a:gsLst>
+            <a:gs pos="0">
+              <a:schemeClr val="phClr">
+                <a:tint val="50000"/>
+                <a:satMod val="300000"/>
+              </a:schemeClr>
+            </a:gs>
+            <a:gs pos="35000">
+              <a:schemeClr val="phClr">
+                <a:tint val="37000"/>
+                <a:satMod val="300000"/>
+              </a:schemeClr>
+            </a:gs>
+            <a:gs pos="100000">
+              <a:schemeClr val="phClr">
+                <a:tint val="15000"/>
+                <a:satMod val="350000"/>
+              </a:schemeClr>
+            </a:gs>
+          </a:gsLst>
+          <a:lin ang="16200000" scaled="1"/>
+        </a:gradFill>
+        <a:gradFill rotWithShape="1">
+          <a:gsLst>
+            <a:gs pos="0">
+              <a:schemeClr val="phClr">
+                <a:tint val="100000"/>
+                <a:shade val="100000"/>
+                <a:satMod val="130000"/>
+              </a:schemeClr>
+            </a:gs>
+            <a:gs pos="100000">
+              <a:schemeClr val="phClr">
+                <a:tint val="50000"/>
+                <a:shade val="100000"/>
+                <a:satMod val="350000"/>
+              </a:schemeClr>
+            </a:gs>
+          </a:gsLst>
+          <a:lin ang="16200000" scaled="0"/>
+        </a:gradFill>
+      </a:fillStyleLst>
+      <a:lnStyleLst>
+        <a:ln w="9525" cap="flat" cmpd="sng" algn="ctr">
+          <a:solidFill>
+            <a:schemeClr val="phClr">
+              <a:shade val="95000"/>
+              <a:satMod val="105000"/>
+            </a:schemeClr>
+          </a:solidFill>
+          <a:prstDash val="solid"/>
+        </a:ln>
+        <a:ln w="25400" cap="flat" cmpd="sng" algn="ctr">
+          <a:solidFill>
+            <a:schemeClr val="phClr"/>
+          </a:solidFill>
+          <a:prstDash val="solid"/>
+        </a:ln>
+        <a:ln w="38100" cap="flat" cmpd="sng" algn="ctr">
+          <a:solidFill>
+            <a:schemeClr val="phClr"/>
+          </a:solidFill>
+          <a:prstDash val="solid"/>
+        </a:ln>
+      </a:lnStyleLst>
+      <a:effectStyleLst>
+        <a:effectStyle>
+          <a:effectLst>
+            <a:outerShdw blurRad="40000" dist="20000" dir="5400000" rotWithShape="0">
+              <a:srgbClr val="000000">
+                <a:alpha val="38000"/>
+              </a:srgbClr>
+            </a:outerShdw>
+          </a:effectLst>
+        </a:effectStyle>
+        <a:effectStyle>
+          <a:effectLst>
+            <a:outerShdw blurRad="40000" dist="23000" dir="5400000" rotWithShape="0">
+              <a:srgbClr val="000000">
+                <a:alpha val="35000"/>
+              </a:srgbClr>
+            </a:outerShdw>
+          </a:effectLst>
+        </a:effectStyle>
+        <a:effectStyle>
+          <a:effectLst>
+            <a:outerShdw blurRad="40000" dist="23000" dir="5400000" rotWithShape="0">
+              <a:srgbClr val="000000">
+                <a:alpha val="35000"/>
+              </a:srgbClr>
+            </a:outerShdw>
+          </a:effectLst>
+          <a:scene3d>
+            <a:camera prst="orthographicFront">
+              <a:rot lat="0" lon="0" rev="0"/>
+            </a:camera>
+            <a:lightRig rig="threePt" dir="t">
+              <a:rot lat="0" lon="0" rev="1200000"/>
+            </a:lightRig>
+          </a:scene3d>
+          <a:sp3d>
+            <a:bevelT w="63500" h="25400"/>
+          </a:sp3d>
+        </a:effectStyle>
+      </a:effectStyleLst>
+      <a:bgFillStyleLst>
+        <a:solidFill>
+          <a:schemeClr val="phClr"/>
+        </a:solidFill>
+        <a:gradFill rotWithShape="1">
+          <a:gsLst>
+            <a:gs pos="0">
+              <a:schemeClr val="phClr">
+                <a:tint val="40000"/>
+                <a:satMod val="350000"/>
+              </a:schemeClr>
+            </a:gs>
+            <a:gs pos="40000">
+              <a:schemeClr val="phClr">
+                <a:tint val="45000"/>
+                <a:shade val="99000"/>
+                <a:satMod val="350000"/>
+              </a:schemeClr>
+            </a:gs>
+            <a:gs pos="100000">
+              <a:schemeClr val="phClr">
+                <a:shade val="20000"/>
+                <a:satMod val="255000"/>
+              </a:schemeClr>
+            </a:gs>
+          </a:gsLst>
+          <a:path path="circle">
+            <a:fillToRect l="50000" t="-80000" r="50000" b="180000"/>
+          </a:path>
+        </a:gradFill>
+        <a:gradFill rotWithShape="1">
+          <a:gsLst>
+            <a:gs pos="0">
+              <a:schemeClr val="phClr">
+                <a:tint val="80000"/>
+                <a:satMod val="300000"/>
+              </a:schemeClr>
+            </a:gs>
+            <a:gs pos="100000">
+              <a:schemeClr val="phClr">
+                <a:shade val="30000"/>
+                <a:satMod val="200000"/>
+              </a:schemeClr>
+            </a:gs>
+          </a:gsLst>
+          <a:path path="circle">
+            <a:fillToRect l="50000" t="50000" r="50000" b="50000"/>
+          </a:path>
+        </a:gradFill>
+      </a:bgFillStyleLst>
+    </a:fmtScheme>
+  </a:themeElements>
+</a:theme>
+</file>
+
+<file path=ppt/theme/theme2.xml><?xml version="1.0" encoding="utf-8"?>
 <a:theme xmlns:a="http://schemas.openxmlformats.org/drawingml/2006/main" xmlns:r="http://schemas.openxmlformats.org/officeDocument/2006/relationships" name="Marina">
   <a:themeElements>
     <a:clrScheme name="Marina">
@@ -14550,283 +17746,4 @@
     </a:fmtScheme>
   </a:themeElements>
 </a:theme>
-</file>
-
-<file path=ppt/theme/theme2.xml><?xml version="1.0" encoding="utf-8"?>
-<a:theme xmlns:a="http://schemas.openxmlformats.org/drawingml/2006/main" xmlns:r="http://schemas.openxmlformats.org/officeDocument/2006/relationships">
-  <a:themeElements>
-    <a:clrScheme name="Default">
-      <a:dk1>
-        <a:srgbClr val="000000"/>
-      </a:dk1>
-      <a:lt1>
-        <a:srgbClr val="FFFFFF"/>
-      </a:lt1>
-      <a:dk2>
-        <a:srgbClr val="158158"/>
-      </a:dk2>
-      <a:lt2>
-        <a:srgbClr val="F3F3F3"/>
-      </a:lt2>
-      <a:accent1>
-        <a:srgbClr val="058DC7"/>
-      </a:accent1>
-      <a:accent2>
-        <a:srgbClr val="50B432"/>
-      </a:accent2>
-      <a:accent3>
-        <a:srgbClr val="ED561B"/>
-      </a:accent3>
-      <a:accent4>
-        <a:srgbClr val="EDEF00"/>
-      </a:accent4>
-      <a:accent5>
-        <a:srgbClr val="24CBE5"/>
-      </a:accent5>
-      <a:accent6>
-        <a:srgbClr val="64E572"/>
-      </a:accent6>
-      <a:hlink>
-        <a:srgbClr val="2200CC"/>
-      </a:hlink>
-      <a:folHlink>
-        <a:srgbClr val="551A8B"/>
-      </a:folHlink>
-    </a:clrScheme>
-    <a:fontScheme name="Office">
-      <a:majorFont>
-        <a:latin typeface="Arial"/>
-        <a:ea typeface=""/>
-        <a:cs typeface=""/>
-        <a:font script="Jpan" typeface="ＭＳ Ｐゴシック"/>
-        <a:font script="Hang" typeface="맑은 고딕"/>
-        <a:font script="Hans" typeface="宋体"/>
-        <a:font script="Hant" typeface="新細明體"/>
-        <a:font script="Arab" typeface="Times New Roman"/>
-        <a:font script="Hebr" typeface="Times New Roman"/>
-        <a:font script="Thai" typeface="Angsana New"/>
-        <a:font script="Ethi" typeface="Nyala"/>
-        <a:font script="Beng" typeface="Vrinda"/>
-        <a:font script="Gujr" typeface="Shruti"/>
-        <a:font script="Khmr" typeface="MoolBoran"/>
-        <a:font script="Knda" typeface="Tunga"/>
-        <a:font script="Guru" typeface="Raavi"/>
-        <a:font script="Cans" typeface="Euphemia"/>
-        <a:font script="Cher" typeface="Plantagenet Cherokee"/>
-        <a:font script="Yiii" typeface="Microsoft Yi Baiti"/>
-        <a:font script="Tibt" typeface="Microsoft Himalaya"/>
-        <a:font script="Thaa" typeface="MV Boli"/>
-        <a:font script="Deva" typeface="Mangal"/>
-        <a:font script="Telu" typeface="Gautami"/>
-        <a:font script="Taml" typeface="Latha"/>
-        <a:font script="Syrc" typeface="Estrangelo Edessa"/>
-        <a:font script="Orya" typeface="Kalinga"/>
-        <a:font script="Mlym" typeface="Kartika"/>
-        <a:font script="Laoo" typeface="DokChampa"/>
-        <a:font script="Sinh" typeface="Iskoola Pota"/>
-        <a:font script="Mong" typeface="Mongolian Baiti"/>
-        <a:font script="Viet" typeface="Times New Roman"/>
-        <a:font script="Uigh" typeface="Microsoft Uighur"/>
-        <a:font script="Geor" typeface="Sylfaen"/>
-      </a:majorFont>
-      <a:minorFont>
-        <a:latin typeface="Arial"/>
-        <a:ea typeface=""/>
-        <a:cs typeface=""/>
-        <a:font script="Jpan" typeface="ＭＳ Ｐゴシック"/>
-        <a:font script="Hang" typeface="맑은 고딕"/>
-        <a:font script="Hans" typeface="宋体"/>
-        <a:font script="Hant" typeface="新細明體"/>
-        <a:font script="Arab" typeface="Arial"/>
-        <a:font script="Hebr" typeface="Arial"/>
-        <a:font script="Thai" typeface="Cordia New"/>
-        <a:font script="Ethi" typeface="Nyala"/>
-        <a:font script="Beng" typeface="Vrinda"/>
-        <a:font script="Gujr" typeface="Shruti"/>
-        <a:font script="Khmr" typeface="DaunPenh"/>
-        <a:font script="Knda" typeface="Tunga"/>
-        <a:font script="Guru" typeface="Raavi"/>
-        <a:font script="Cans" typeface="Euphemia"/>
-        <a:font script="Cher" typeface="Plantagenet Cherokee"/>
-        <a:font script="Yiii" typeface="Microsoft Yi Baiti"/>
-        <a:font script="Tibt" typeface="Microsoft Himalaya"/>
-        <a:font script="Thaa" typeface="MV Boli"/>
-        <a:font script="Deva" typeface="Mangal"/>
-        <a:font script="Telu" typeface="Gautami"/>
-        <a:font script="Taml" typeface="Latha"/>
-        <a:font script="Syrc" typeface="Estrangelo Edessa"/>
-        <a:font script="Orya" typeface="Kalinga"/>
-        <a:font script="Mlym" typeface="Kartika"/>
-        <a:font script="Laoo" typeface="DokChampa"/>
-        <a:font script="Sinh" typeface="Iskoola Pota"/>
-        <a:font script="Mong" typeface="Mongolian Baiti"/>
-        <a:font script="Viet" typeface="Arial"/>
-        <a:font script="Uigh" typeface="Microsoft Uighur"/>
-        <a:font script="Geor" typeface="Sylfaen"/>
-      </a:minorFont>
-    </a:fontScheme>
-    <a:fmtScheme name="Office">
-      <a:fillStyleLst>
-        <a:solidFill>
-          <a:schemeClr val="phClr"/>
-        </a:solidFill>
-        <a:gradFill rotWithShape="1">
-          <a:gsLst>
-            <a:gs pos="0">
-              <a:schemeClr val="phClr">
-                <a:tint val="50000"/>
-                <a:satMod val="300000"/>
-              </a:schemeClr>
-            </a:gs>
-            <a:gs pos="35000">
-              <a:schemeClr val="phClr">
-                <a:tint val="37000"/>
-                <a:satMod val="300000"/>
-              </a:schemeClr>
-            </a:gs>
-            <a:gs pos="100000">
-              <a:schemeClr val="phClr">
-                <a:tint val="15000"/>
-                <a:satMod val="350000"/>
-              </a:schemeClr>
-            </a:gs>
-          </a:gsLst>
-          <a:lin ang="16200000" scaled="1"/>
-        </a:gradFill>
-        <a:gradFill rotWithShape="1">
-          <a:gsLst>
-            <a:gs pos="0">
-              <a:schemeClr val="phClr">
-                <a:tint val="100000"/>
-                <a:shade val="100000"/>
-                <a:satMod val="130000"/>
-              </a:schemeClr>
-            </a:gs>
-            <a:gs pos="100000">
-              <a:schemeClr val="phClr">
-                <a:tint val="50000"/>
-                <a:shade val="100000"/>
-                <a:satMod val="350000"/>
-              </a:schemeClr>
-            </a:gs>
-          </a:gsLst>
-          <a:lin ang="16200000" scaled="0"/>
-        </a:gradFill>
-      </a:fillStyleLst>
-      <a:lnStyleLst>
-        <a:ln w="9525" cap="flat" cmpd="sng" algn="ctr">
-          <a:solidFill>
-            <a:schemeClr val="phClr">
-              <a:shade val="95000"/>
-              <a:satMod val="105000"/>
-            </a:schemeClr>
-          </a:solidFill>
-          <a:prstDash val="solid"/>
-        </a:ln>
-        <a:ln w="25400" cap="flat" cmpd="sng" algn="ctr">
-          <a:solidFill>
-            <a:schemeClr val="phClr"/>
-          </a:solidFill>
-          <a:prstDash val="solid"/>
-        </a:ln>
-        <a:ln w="38100" cap="flat" cmpd="sng" algn="ctr">
-          <a:solidFill>
-            <a:schemeClr val="phClr"/>
-          </a:solidFill>
-          <a:prstDash val="solid"/>
-        </a:ln>
-      </a:lnStyleLst>
-      <a:effectStyleLst>
-        <a:effectStyle>
-          <a:effectLst>
-            <a:outerShdw blurRad="40000" dist="20000" dir="5400000" rotWithShape="0">
-              <a:srgbClr val="000000">
-                <a:alpha val="38000"/>
-              </a:srgbClr>
-            </a:outerShdw>
-          </a:effectLst>
-        </a:effectStyle>
-        <a:effectStyle>
-          <a:effectLst>
-            <a:outerShdw blurRad="40000" dist="23000" dir="5400000" rotWithShape="0">
-              <a:srgbClr val="000000">
-                <a:alpha val="35000"/>
-              </a:srgbClr>
-            </a:outerShdw>
-          </a:effectLst>
-        </a:effectStyle>
-        <a:effectStyle>
-          <a:effectLst>
-            <a:outerShdw blurRad="40000" dist="23000" dir="5400000" rotWithShape="0">
-              <a:srgbClr val="000000">
-                <a:alpha val="35000"/>
-              </a:srgbClr>
-            </a:outerShdw>
-          </a:effectLst>
-          <a:scene3d>
-            <a:camera prst="orthographicFront">
-              <a:rot lat="0" lon="0" rev="0"/>
-            </a:camera>
-            <a:lightRig rig="threePt" dir="t">
-              <a:rot lat="0" lon="0" rev="1200000"/>
-            </a:lightRig>
-          </a:scene3d>
-          <a:sp3d>
-            <a:bevelT w="63500" h="25400"/>
-          </a:sp3d>
-        </a:effectStyle>
-      </a:effectStyleLst>
-      <a:bgFillStyleLst>
-        <a:solidFill>
-          <a:schemeClr val="phClr"/>
-        </a:solidFill>
-        <a:gradFill rotWithShape="1">
-          <a:gsLst>
-            <a:gs pos="0">
-              <a:schemeClr val="phClr">
-                <a:tint val="40000"/>
-                <a:satMod val="350000"/>
-              </a:schemeClr>
-            </a:gs>
-            <a:gs pos="40000">
-              <a:schemeClr val="phClr">
-                <a:tint val="45000"/>
-                <a:shade val="99000"/>
-                <a:satMod val="350000"/>
-              </a:schemeClr>
-            </a:gs>
-            <a:gs pos="100000">
-              <a:schemeClr val="phClr">
-                <a:shade val="20000"/>
-                <a:satMod val="255000"/>
-              </a:schemeClr>
-            </a:gs>
-          </a:gsLst>
-          <a:path path="circle">
-            <a:fillToRect l="50000" t="-80000" r="50000" b="180000"/>
-          </a:path>
-        </a:gradFill>
-        <a:gradFill rotWithShape="1">
-          <a:gsLst>
-            <a:gs pos="0">
-              <a:schemeClr val="phClr">
-                <a:tint val="80000"/>
-                <a:satMod val="300000"/>
-              </a:schemeClr>
-            </a:gs>
-            <a:gs pos="100000">
-              <a:schemeClr val="phClr">
-                <a:shade val="30000"/>
-                <a:satMod val="200000"/>
-              </a:schemeClr>
-            </a:gs>
-          </a:gsLst>
-          <a:path path="circle">
-            <a:fillToRect l="50000" t="50000" r="50000" b="50000"/>
-          </a:path>
-        </a:gradFill>
-      </a:bgFillStyleLst>
-    </a:fmtScheme>
-  </a:themeElements>
-</a:theme>
 </file>
--- a/slides/xmcd.pptx
+++ b/slides/xmcd.pptx
@@ -20,21 +20,22 @@
     <p:sldId id="265" r:id="rId14"/>
     <p:sldId id="266" r:id="rId15"/>
     <p:sldId id="267" r:id="rId16"/>
+    <p:sldId id="268" r:id="rId17"/>
   </p:sldIdLst>
   <p:sldSz cy="5143500" cx="9144000"/>
   <p:notesSz cx="6858000" cy="9144000"/>
   <p:embeddedFontLst>
     <p:embeddedFont>
       <p:font typeface="Roboto Slab"/>
-      <p:regular r:id="rId17"/>
-      <p:bold r:id="rId18"/>
+      <p:regular r:id="rId18"/>
+      <p:bold r:id="rId19"/>
     </p:embeddedFont>
     <p:embeddedFont>
       <p:font typeface="Roboto"/>
-      <p:regular r:id="rId19"/>
-      <p:bold r:id="rId20"/>
-      <p:italic r:id="rId21"/>
-      <p:boldItalic r:id="rId22"/>
+      <p:regular r:id="rId20"/>
+      <p:bold r:id="rId21"/>
+      <p:italic r:id="rId22"/>
+      <p:boldItalic r:id="rId23"/>
     </p:embeddedFont>
   </p:embeddedFontLst>
   <p:defaultTextStyle>
@@ -813,7 +814,7 @@
       </p:grpSpPr>
       <p:sp>
         <p:nvSpPr>
-          <p:cNvPr id="272" name="Google Shape;272;g6c12641c3f_0_10:notes"/>
+          <p:cNvPr id="272" name="Google Shape;272;g6c12641c3f_0_19:notes"/>
           <p:cNvSpPr/>
           <p:nvPr>
             <p:ph idx="2" type="sldImg"/>
@@ -848,7 +849,7 @@
       </p:sp>
       <p:sp>
         <p:nvSpPr>
-          <p:cNvPr id="273" name="Google Shape;273;g6c12641c3f_0_10:notes"/>
+          <p:cNvPr id="273" name="Google Shape;273;g6c12641c3f_0_19:notes"/>
           <p:cNvSpPr txBox="1"/>
           <p:nvPr>
             <p:ph idx="1" type="body"/>
@@ -898,7 +899,7 @@
   <p:cSld>
     <p:spTree>
       <p:nvGrpSpPr>
-        <p:cNvPr id="278" name="Shape 278"/>
+        <p:cNvPr id="276" name="Shape 276"/>
         <p:cNvGrpSpPr/>
         <p:nvPr/>
       </p:nvGrpSpPr>
@@ -912,7 +913,7 @@
       </p:grpSpPr>
       <p:sp>
         <p:nvSpPr>
-          <p:cNvPr id="279" name="Google Shape;279;g6c12641c3f_0_16:notes"/>
+          <p:cNvPr id="277" name="Google Shape;277;g6c12641c3f_0_10:notes"/>
           <p:cNvSpPr/>
           <p:nvPr>
             <p:ph idx="2" type="sldImg"/>
@@ -947,7 +948,7 @@
       </p:sp>
       <p:sp>
         <p:nvSpPr>
-          <p:cNvPr id="280" name="Google Shape;280;g6c12641c3f_0_16:notes"/>
+          <p:cNvPr id="278" name="Google Shape;278;g6c12641c3f_0_10:notes"/>
           <p:cNvSpPr txBox="1"/>
           <p:nvPr>
             <p:ph idx="1" type="body"/>
@@ -997,7 +998,7 @@
   <p:cSld>
     <p:spTree>
       <p:nvGrpSpPr>
-        <p:cNvPr id="287" name="Shape 287"/>
+        <p:cNvPr id="283" name="Shape 283"/>
         <p:cNvGrpSpPr/>
         <p:nvPr/>
       </p:nvGrpSpPr>
@@ -1011,7 +1012,7 @@
       </p:grpSpPr>
       <p:sp>
         <p:nvSpPr>
-          <p:cNvPr id="288" name="Google Shape;288;g6c12641c3f_0_13:notes"/>
+          <p:cNvPr id="284" name="Google Shape;284;g6c12641c3f_0_16:notes"/>
           <p:cNvSpPr/>
           <p:nvPr>
             <p:ph idx="2" type="sldImg"/>
@@ -1046,7 +1047,106 @@
       </p:sp>
       <p:sp>
         <p:nvSpPr>
-          <p:cNvPr id="289" name="Google Shape;289;g6c12641c3f_0_13:notes"/>
+          <p:cNvPr id="285" name="Google Shape;285;g6c12641c3f_0_16:notes"/>
+          <p:cNvSpPr txBox="1"/>
+          <p:nvPr>
+            <p:ph idx="1" type="body"/>
+          </p:nvPr>
+        </p:nvSpPr>
+        <p:spPr>
+          <a:xfrm>
+            <a:off x="685800" y="4343400"/>
+            <a:ext cx="5486400" cy="4114800"/>
+          </a:xfrm>
+          <a:prstGeom prst="rect">
+            <a:avLst/>
+          </a:prstGeom>
+        </p:spPr>
+        <p:txBody>
+          <a:bodyPr anchorCtr="0" anchor="t" bIns="91425" lIns="91425" spcFirstLastPara="1" rIns="91425" wrap="square" tIns="91425">
+            <a:noAutofit/>
+          </a:bodyPr>
+          <a:lstStyle/>
+          <a:p>
+            <a:pPr indent="0" lvl="0" marL="0" rtl="0" algn="l">
+              <a:spcBef>
+                <a:spcPts val="0"/>
+              </a:spcBef>
+              <a:spcAft>
+                <a:spcPts val="0"/>
+              </a:spcAft>
+              <a:buNone/>
+            </a:pPr>
+            <a:r>
+              <a:t/>
+            </a:r>
+            <a:endParaRPr/>
+          </a:p>
+        </p:txBody>
+      </p:sp>
+    </p:spTree>
+  </p:cSld>
+  <p:clrMapOvr>
+    <a:masterClrMapping/>
+  </p:clrMapOvr>
+</p:notes>
+</file>
+
+<file path=ppt/notesSlides/notesSlide13.xml><?xml version="1.0" encoding="utf-8"?>
+<p:notes xmlns:a="http://schemas.openxmlformats.org/drawingml/2006/main" xmlns:r="http://schemas.openxmlformats.org/officeDocument/2006/relationships" xmlns:mc="http://schemas.openxmlformats.org/markup-compatibility/2006" xmlns:mv="urn:schemas-microsoft-com:mac:vml" xmlns:p="http://schemas.openxmlformats.org/presentationml/2006/main" xmlns:c="http://schemas.openxmlformats.org/drawingml/2006/chart" xmlns:dgm="http://schemas.openxmlformats.org/drawingml/2006/diagram" xmlns:o="urn:schemas-microsoft-com:office:office" xmlns:v="urn:schemas-microsoft-com:vml" xmlns:pvml="urn:schemas-microsoft-com:office:powerpoint" xmlns:com="http://schemas.openxmlformats.org/drawingml/2006/compatibility" xmlns:p14="http://schemas.microsoft.com/office/powerpoint/2010/main" xmlns:p15="http://schemas.microsoft.com/office/powerpoint/2012/main" showMasterPhAnim="0" showMasterSp="0">
+  <p:cSld>
+    <p:spTree>
+      <p:nvGrpSpPr>
+        <p:cNvPr id="292" name="Shape 292"/>
+        <p:cNvGrpSpPr/>
+        <p:nvPr/>
+      </p:nvGrpSpPr>
+      <p:grpSpPr>
+        <a:xfrm>
+          <a:off x="0" y="0"/>
+          <a:ext cx="0" cy="0"/>
+          <a:chOff x="0" y="0"/>
+          <a:chExt cx="0" cy="0"/>
+        </a:xfrm>
+      </p:grpSpPr>
+      <p:sp>
+        <p:nvSpPr>
+          <p:cNvPr id="293" name="Google Shape;293;g6c12641c3f_0_13:notes"/>
+          <p:cNvSpPr/>
+          <p:nvPr>
+            <p:ph idx="2" type="sldImg"/>
+          </p:nvPr>
+        </p:nvSpPr>
+        <p:spPr>
+          <a:xfrm>
+            <a:off x="381300" y="685800"/>
+            <a:ext cx="6096000" cy="3429000"/>
+          </a:xfrm>
+          <a:custGeom>
+            <a:rect b="b" l="l" r="r" t="t"/>
+            <a:pathLst>
+              <a:path extrusionOk="0" h="120000" w="120000">
+                <a:moveTo>
+                  <a:pt x="0" y="0"/>
+                </a:moveTo>
+                <a:lnTo>
+                  <a:pt x="120000" y="0"/>
+                </a:lnTo>
+                <a:lnTo>
+                  <a:pt x="120000" y="120000"/>
+                </a:lnTo>
+                <a:lnTo>
+                  <a:pt x="0" y="120000"/>
+                </a:lnTo>
+                <a:close/>
+              </a:path>
+            </a:pathLst>
+          </a:custGeom>
+        </p:spPr>
+      </p:sp>
+      <p:sp>
+        <p:nvSpPr>
+          <p:cNvPr id="294" name="Google Shape;294;g6c12641c3f_0_13:notes"/>
           <p:cNvSpPr txBox="1"/>
           <p:nvPr>
             <p:ph idx="1" type="body"/>
@@ -1605,7 +1705,7 @@
       </p:grpSpPr>
       <p:sp>
         <p:nvSpPr>
-          <p:cNvPr id="250" name="Google Shape;250;g6c12641c3f_2_55:notes"/>
+          <p:cNvPr id="250" name="Google Shape;250;g6c12641c3f_2_75:notes"/>
           <p:cNvSpPr/>
           <p:nvPr>
             <p:ph idx="2" type="sldImg"/>
@@ -1640,7 +1740,7 @@
       </p:sp>
       <p:sp>
         <p:nvSpPr>
-          <p:cNvPr id="251" name="Google Shape;251;g6c12641c3f_2_55:notes"/>
+          <p:cNvPr id="251" name="Google Shape;251;g6c12641c3f_2_75:notes"/>
           <p:cNvSpPr txBox="1"/>
           <p:nvPr>
             <p:ph idx="1" type="body"/>
@@ -1690,7 +1790,7 @@
   <p:cSld>
     <p:spTree>
       <p:nvGrpSpPr>
-        <p:cNvPr id="256" name="Shape 256"/>
+        <p:cNvPr id="254" name="Shape 254"/>
         <p:cNvGrpSpPr/>
         <p:nvPr/>
       </p:nvGrpSpPr>
@@ -1704,7 +1804,7 @@
       </p:grpSpPr>
       <p:sp>
         <p:nvSpPr>
-          <p:cNvPr id="257" name="Google Shape;257;g6c12641c3f_2_62:notes"/>
+          <p:cNvPr id="255" name="Google Shape;255;g6c12641c3f_2_55:notes"/>
           <p:cNvSpPr/>
           <p:nvPr>
             <p:ph idx="2" type="sldImg"/>
@@ -1739,7 +1839,7 @@
       </p:sp>
       <p:sp>
         <p:nvSpPr>
-          <p:cNvPr id="258" name="Google Shape;258;g6c12641c3f_2_62:notes"/>
+          <p:cNvPr id="256" name="Google Shape;256;g6c12641c3f_2_55:notes"/>
           <p:cNvSpPr txBox="1"/>
           <p:nvPr>
             <p:ph idx="1" type="body"/>
@@ -1789,7 +1889,7 @@
   <p:cSld>
     <p:spTree>
       <p:nvGrpSpPr>
-        <p:cNvPr id="266" name="Shape 266"/>
+        <p:cNvPr id="261" name="Shape 261"/>
         <p:cNvGrpSpPr/>
         <p:nvPr/>
       </p:nvGrpSpPr>
@@ -1803,7 +1903,7 @@
       </p:grpSpPr>
       <p:sp>
         <p:nvSpPr>
-          <p:cNvPr id="267" name="Google Shape;267;g6c12641c3f_0_19:notes"/>
+          <p:cNvPr id="262" name="Google Shape;262;g6c12641c3f_2_62:notes"/>
           <p:cNvSpPr/>
           <p:nvPr>
             <p:ph idx="2" type="sldImg"/>
@@ -1838,7 +1938,7 @@
       </p:sp>
       <p:sp>
         <p:nvSpPr>
-          <p:cNvPr id="268" name="Google Shape;268;g6c12641c3f_0_19:notes"/>
+          <p:cNvPr id="263" name="Google Shape;263;g6c12641c3f_2_62:notes"/>
           <p:cNvSpPr txBox="1"/>
           <p:nvPr>
             <p:ph idx="1" type="body"/>
@@ -13772,9 +13872,62 @@
           <a:chExt cx="0" cy="0"/>
         </a:xfrm>
       </p:grpSpPr>
+      <p:pic>
+        <p:nvPicPr>
+          <p:cNvPr id="275" name="Google Shape;275;p23"/>
+          <p:cNvPicPr preferRelativeResize="0"/>
+          <p:nvPr/>
+        </p:nvPicPr>
+        <p:blipFill>
+          <a:blip r:embed="rId3">
+            <a:alphaModFix/>
+          </a:blip>
+          <a:stretch>
+            <a:fillRect/>
+          </a:stretch>
+        </p:blipFill>
+        <p:spPr>
+          <a:xfrm>
+            <a:off x="152400" y="152400"/>
+            <a:ext cx="5735671" cy="4838701"/>
+          </a:xfrm>
+          <a:prstGeom prst="rect">
+            <a:avLst/>
+          </a:prstGeom>
+          <a:noFill/>
+          <a:ln>
+            <a:noFill/>
+          </a:ln>
+        </p:spPr>
+      </p:pic>
+    </p:spTree>
+  </p:cSld>
+  <p:clrMapOvr>
+    <a:masterClrMapping/>
+  </p:clrMapOvr>
+</p:sld>
+</file>
+
+<file path=ppt/slides/slide11.xml><?xml version="1.0" encoding="utf-8"?>
+<p:sld xmlns:a="http://schemas.openxmlformats.org/drawingml/2006/main" xmlns:r="http://schemas.openxmlformats.org/officeDocument/2006/relationships" xmlns:mc="http://schemas.openxmlformats.org/markup-compatibility/2006" xmlns:mv="urn:schemas-microsoft-com:mac:vml" xmlns:p="http://schemas.openxmlformats.org/presentationml/2006/main" xmlns:c="http://schemas.openxmlformats.org/drawingml/2006/chart" xmlns:dgm="http://schemas.openxmlformats.org/drawingml/2006/diagram" xmlns:o="urn:schemas-microsoft-com:office:office" xmlns:v="urn:schemas-microsoft-com:vml" xmlns:pvml="urn:schemas-microsoft-com:office:powerpoint" xmlns:com="http://schemas.openxmlformats.org/drawingml/2006/compatibility" xmlns:p14="http://schemas.microsoft.com/office/powerpoint/2010/main" xmlns:p15="http://schemas.microsoft.com/office/powerpoint/2012/main">
+  <p:cSld>
+    <p:spTree>
+      <p:nvGrpSpPr>
+        <p:cNvPr id="279" name="Shape 279"/>
+        <p:cNvGrpSpPr/>
+        <p:nvPr/>
+      </p:nvGrpSpPr>
+      <p:grpSpPr>
+        <a:xfrm>
+          <a:off x="0" y="0"/>
+          <a:ext cx="0" cy="0"/>
+          <a:chOff x="0" y="0"/>
+          <a:chExt cx="0" cy="0"/>
+        </a:xfrm>
+      </p:grpSpPr>
       <p:sp>
         <p:nvSpPr>
-          <p:cNvPr id="275" name="Google Shape;275;p23"/>
+          <p:cNvPr id="280" name="Google Shape;280;p24"/>
           <p:cNvSpPr txBox="1"/>
           <p:nvPr/>
         </p:nvSpPr>
@@ -13888,7 +14041,7 @@
       </p:sp>
       <p:sp>
         <p:nvSpPr>
-          <p:cNvPr id="276" name="Google Shape;276;p23"/>
+          <p:cNvPr id="281" name="Google Shape;281;p24"/>
           <p:cNvSpPr txBox="1"/>
           <p:nvPr/>
         </p:nvSpPr>
@@ -14062,7 +14215,7 @@
       </p:sp>
       <p:pic>
         <p:nvPicPr>
-          <p:cNvPr id="277" name="Google Shape;277;p23"/>
+          <p:cNvPr id="282" name="Google Shape;282;p24"/>
           <p:cNvPicPr preferRelativeResize="0"/>
           <p:nvPr/>
         </p:nvPicPr>
@@ -14096,12 +14249,12 @@
 </p:sld>
 </file>
 
-<file path=ppt/slides/slide11.xml><?xml version="1.0" encoding="utf-8"?>
+<file path=ppt/slides/slide12.xml><?xml version="1.0" encoding="utf-8"?>
 <p:sld xmlns:a="http://schemas.openxmlformats.org/drawingml/2006/main" xmlns:r="http://schemas.openxmlformats.org/officeDocument/2006/relationships" xmlns:mc="http://schemas.openxmlformats.org/markup-compatibility/2006" xmlns:mv="urn:schemas-microsoft-com:mac:vml" xmlns:p="http://schemas.openxmlformats.org/presentationml/2006/main" xmlns:c="http://schemas.openxmlformats.org/drawingml/2006/chart" xmlns:dgm="http://schemas.openxmlformats.org/drawingml/2006/diagram" xmlns:o="urn:schemas-microsoft-com:office:office" xmlns:v="urn:schemas-microsoft-com:vml" xmlns:pvml="urn:schemas-microsoft-com:office:powerpoint" xmlns:com="http://schemas.openxmlformats.org/drawingml/2006/compatibility" xmlns:p14="http://schemas.microsoft.com/office/powerpoint/2010/main" xmlns:p15="http://schemas.microsoft.com/office/powerpoint/2012/main">
   <p:cSld>
     <p:spTree>
       <p:nvGrpSpPr>
-        <p:cNvPr id="281" name="Shape 281"/>
+        <p:cNvPr id="286" name="Shape 286"/>
         <p:cNvGrpSpPr/>
         <p:nvPr/>
       </p:nvGrpSpPr>
@@ -14115,7 +14268,7 @@
       </p:grpSpPr>
       <p:sp>
         <p:nvSpPr>
-          <p:cNvPr id="282" name="Google Shape;282;p24"/>
+          <p:cNvPr id="287" name="Google Shape;287;p25"/>
           <p:cNvSpPr txBox="1"/>
           <p:nvPr/>
         </p:nvSpPr>
@@ -14167,7 +14320,7 @@
       </p:sp>
       <p:sp>
         <p:nvSpPr>
-          <p:cNvPr id="283" name="Google Shape;283;p24"/>
+          <p:cNvPr id="288" name="Google Shape;288;p25"/>
           <p:cNvSpPr txBox="1"/>
           <p:nvPr/>
         </p:nvSpPr>
@@ -14265,7 +14418,7 @@
       </p:sp>
       <p:sp>
         <p:nvSpPr>
-          <p:cNvPr id="284" name="Google Shape;284;p24"/>
+          <p:cNvPr id="289" name="Google Shape;289;p25"/>
           <p:cNvSpPr txBox="1"/>
           <p:nvPr/>
         </p:nvSpPr>
@@ -14409,7 +14562,7 @@
       </p:sp>
       <p:pic>
         <p:nvPicPr>
-          <p:cNvPr id="285" name="Google Shape;285;p24"/>
+          <p:cNvPr id="290" name="Google Shape;290;p25"/>
           <p:cNvPicPr preferRelativeResize="0"/>
           <p:nvPr/>
         </p:nvPicPr>
@@ -14437,7 +14590,7 @@
       </p:pic>
       <p:pic>
         <p:nvPicPr>
-          <p:cNvPr id="286" name="Google Shape;286;p24"/>
+          <p:cNvPr id="291" name="Google Shape;291;p25"/>
           <p:cNvPicPr preferRelativeResize="0"/>
           <p:nvPr/>
         </p:nvPicPr>
@@ -14471,12 +14624,12 @@
 </p:sld>
 </file>
 
-<file path=ppt/slides/slide12.xml><?xml version="1.0" encoding="utf-8"?>
+<file path=ppt/slides/slide13.xml><?xml version="1.0" encoding="utf-8"?>
 <p:sld xmlns:a="http://schemas.openxmlformats.org/drawingml/2006/main" xmlns:r="http://schemas.openxmlformats.org/officeDocument/2006/relationships" xmlns:mc="http://schemas.openxmlformats.org/markup-compatibility/2006" xmlns:mv="urn:schemas-microsoft-com:mac:vml" xmlns:p="http://schemas.openxmlformats.org/presentationml/2006/main" xmlns:c="http://schemas.openxmlformats.org/drawingml/2006/chart" xmlns:dgm="http://schemas.openxmlformats.org/drawingml/2006/diagram" xmlns:o="urn:schemas-microsoft-com:office:office" xmlns:v="urn:schemas-microsoft-com:vml" xmlns:pvml="urn:schemas-microsoft-com:office:powerpoint" xmlns:com="http://schemas.openxmlformats.org/drawingml/2006/compatibility" xmlns:p14="http://schemas.microsoft.com/office/powerpoint/2010/main" xmlns:p15="http://schemas.microsoft.com/office/powerpoint/2012/main">
   <p:cSld>
     <p:spTree>
       <p:nvGrpSpPr>
-        <p:cNvPr id="290" name="Shape 290"/>
+        <p:cNvPr id="295" name="Shape 295"/>
         <p:cNvGrpSpPr/>
         <p:nvPr/>
       </p:nvGrpSpPr>
@@ -14490,7 +14643,7 @@
       </p:grpSpPr>
       <p:sp>
         <p:nvSpPr>
-          <p:cNvPr id="291" name="Google Shape;291;p25"/>
+          <p:cNvPr id="296" name="Google Shape;296;p26"/>
           <p:cNvSpPr txBox="1"/>
           <p:nvPr/>
         </p:nvSpPr>
@@ -16540,9 +16693,62 @@
           <a:chExt cx="0" cy="0"/>
         </a:xfrm>
       </p:grpSpPr>
+      <p:pic>
+        <p:nvPicPr>
+          <p:cNvPr id="253" name="Google Shape;253;p20"/>
+          <p:cNvPicPr preferRelativeResize="0"/>
+          <p:nvPr/>
+        </p:nvPicPr>
+        <p:blipFill>
+          <a:blip r:embed="rId3">
+            <a:alphaModFix/>
+          </a:blip>
+          <a:stretch>
+            <a:fillRect/>
+          </a:stretch>
+        </p:blipFill>
+        <p:spPr>
+          <a:xfrm>
+            <a:off x="152400" y="152400"/>
+            <a:ext cx="8839200" cy="4121090"/>
+          </a:xfrm>
+          <a:prstGeom prst="rect">
+            <a:avLst/>
+          </a:prstGeom>
+          <a:noFill/>
+          <a:ln>
+            <a:noFill/>
+          </a:ln>
+        </p:spPr>
+      </p:pic>
+    </p:spTree>
+  </p:cSld>
+  <p:clrMapOvr>
+    <a:masterClrMapping/>
+  </p:clrMapOvr>
+</p:sld>
+</file>
+
+<file path=ppt/slides/slide8.xml><?xml version="1.0" encoding="utf-8"?>
+<p:sld xmlns:a="http://schemas.openxmlformats.org/drawingml/2006/main" xmlns:r="http://schemas.openxmlformats.org/officeDocument/2006/relationships" xmlns:mc="http://schemas.openxmlformats.org/markup-compatibility/2006" xmlns:mv="urn:schemas-microsoft-com:mac:vml" xmlns:p="http://schemas.openxmlformats.org/presentationml/2006/main" xmlns:c="http://schemas.openxmlformats.org/drawingml/2006/chart" xmlns:dgm="http://schemas.openxmlformats.org/drawingml/2006/diagram" xmlns:o="urn:schemas-microsoft-com:office:office" xmlns:v="urn:schemas-microsoft-com:vml" xmlns:pvml="urn:schemas-microsoft-com:office:powerpoint" xmlns:com="http://schemas.openxmlformats.org/drawingml/2006/compatibility" xmlns:p14="http://schemas.microsoft.com/office/powerpoint/2010/main" xmlns:p15="http://schemas.microsoft.com/office/powerpoint/2012/main">
+  <p:cSld>
+    <p:spTree>
+      <p:nvGrpSpPr>
+        <p:cNvPr id="257" name="Shape 257"/>
+        <p:cNvGrpSpPr/>
+        <p:nvPr/>
+      </p:nvGrpSpPr>
+      <p:grpSpPr>
+        <a:xfrm>
+          <a:off x="0" y="0"/>
+          <a:ext cx="0" cy="0"/>
+          <a:chOff x="0" y="0"/>
+          <a:chExt cx="0" cy="0"/>
+        </a:xfrm>
+      </p:grpSpPr>
       <p:sp>
         <p:nvSpPr>
-          <p:cNvPr id="253" name="Google Shape;253;p20"/>
+          <p:cNvPr id="258" name="Google Shape;258;p21"/>
           <p:cNvSpPr txBox="1"/>
           <p:nvPr/>
         </p:nvSpPr>
@@ -16594,7 +16800,7 @@
       </p:sp>
       <p:pic>
         <p:nvPicPr>
-          <p:cNvPr id="254" name="Google Shape;254;p20"/>
+          <p:cNvPr id="259" name="Google Shape;259;p21"/>
           <p:cNvPicPr preferRelativeResize="0"/>
           <p:nvPr/>
         </p:nvPicPr>
@@ -16622,7 +16828,7 @@
       </p:pic>
       <p:pic>
         <p:nvPicPr>
-          <p:cNvPr id="255" name="Google Shape;255;p20"/>
+          <p:cNvPr id="260" name="Google Shape;260;p21"/>
           <p:cNvPicPr preferRelativeResize="0"/>
           <p:nvPr/>
         </p:nvPicPr>
@@ -16656,12 +16862,12 @@
 </p:sld>
 </file>
 
-<file path=ppt/slides/slide8.xml><?xml version="1.0" encoding="utf-8"?>
+<file path=ppt/slides/slide9.xml><?xml version="1.0" encoding="utf-8"?>
 <p:sld xmlns:a="http://schemas.openxmlformats.org/drawingml/2006/main" xmlns:r="http://schemas.openxmlformats.org/officeDocument/2006/relationships" xmlns:mc="http://schemas.openxmlformats.org/markup-compatibility/2006" xmlns:mv="urn:schemas-microsoft-com:mac:vml" xmlns:p="http://schemas.openxmlformats.org/presentationml/2006/main" xmlns:c="http://schemas.openxmlformats.org/drawingml/2006/chart" xmlns:dgm="http://schemas.openxmlformats.org/drawingml/2006/diagram" xmlns:o="urn:schemas-microsoft-com:office:office" xmlns:v="urn:schemas-microsoft-com:vml" xmlns:pvml="urn:schemas-microsoft-com:office:powerpoint" xmlns:com="http://schemas.openxmlformats.org/drawingml/2006/compatibility" xmlns:p14="http://schemas.microsoft.com/office/powerpoint/2010/main" xmlns:p15="http://schemas.microsoft.com/office/powerpoint/2012/main">
   <p:cSld>
     <p:spTree>
       <p:nvGrpSpPr>
-        <p:cNvPr id="259" name="Shape 259"/>
+        <p:cNvPr id="264" name="Shape 264"/>
         <p:cNvGrpSpPr/>
         <p:nvPr/>
       </p:nvGrpSpPr>
@@ -16675,7 +16881,7 @@
       </p:grpSpPr>
       <p:sp>
         <p:nvSpPr>
-          <p:cNvPr id="260" name="Google Shape;260;p21"/>
+          <p:cNvPr id="265" name="Google Shape;265;p22"/>
           <p:cNvSpPr txBox="1"/>
           <p:nvPr/>
         </p:nvSpPr>
@@ -16727,7 +16933,7 @@
       </p:sp>
       <p:sp>
         <p:nvSpPr>
-          <p:cNvPr id="261" name="Google Shape;261;p21"/>
+          <p:cNvPr id="266" name="Google Shape;266;p22"/>
           <p:cNvSpPr txBox="1"/>
           <p:nvPr/>
         </p:nvSpPr>
@@ -16779,7 +16985,7 @@
       </p:sp>
       <p:pic>
         <p:nvPicPr>
-          <p:cNvPr id="262" name="Google Shape;262;p21"/>
+          <p:cNvPr id="267" name="Google Shape;267;p22"/>
           <p:cNvPicPr preferRelativeResize="0"/>
           <p:nvPr/>
         </p:nvPicPr>
@@ -16807,7 +17013,7 @@
       </p:pic>
       <p:sp>
         <p:nvSpPr>
-          <p:cNvPr id="263" name="Google Shape;263;p21"/>
+          <p:cNvPr id="268" name="Google Shape;268;p22"/>
           <p:cNvSpPr txBox="1"/>
           <p:nvPr/>
         </p:nvSpPr>
@@ -16929,7 +17135,7 @@
       </p:sp>
       <p:pic>
         <p:nvPicPr>
-          <p:cNvPr id="264" name="Google Shape;264;p21"/>
+          <p:cNvPr id="269" name="Google Shape;269;p22"/>
           <p:cNvPicPr preferRelativeResize="0"/>
           <p:nvPr/>
         </p:nvPicPr>
@@ -16957,7 +17163,7 @@
       </p:pic>
       <p:sp>
         <p:nvSpPr>
-          <p:cNvPr id="265" name="Google Shape;265;p21"/>
+          <p:cNvPr id="270" name="Google Shape;270;p22"/>
           <p:cNvSpPr txBox="1"/>
           <p:nvPr/>
         </p:nvSpPr>
@@ -17129,59 +17335,6 @@
           </a:p>
         </p:txBody>
       </p:sp>
-    </p:spTree>
-  </p:cSld>
-  <p:clrMapOvr>
-    <a:masterClrMapping/>
-  </p:clrMapOvr>
-</p:sld>
-</file>
-
-<file path=ppt/slides/slide9.xml><?xml version="1.0" encoding="utf-8"?>
-<p:sld xmlns:a="http://schemas.openxmlformats.org/drawingml/2006/main" xmlns:r="http://schemas.openxmlformats.org/officeDocument/2006/relationships" xmlns:mc="http://schemas.openxmlformats.org/markup-compatibility/2006" xmlns:mv="urn:schemas-microsoft-com:mac:vml" xmlns:p="http://schemas.openxmlformats.org/presentationml/2006/main" xmlns:c="http://schemas.openxmlformats.org/drawingml/2006/chart" xmlns:dgm="http://schemas.openxmlformats.org/drawingml/2006/diagram" xmlns:o="urn:schemas-microsoft-com:office:office" xmlns:v="urn:schemas-microsoft-com:vml" xmlns:pvml="urn:schemas-microsoft-com:office:powerpoint" xmlns:com="http://schemas.openxmlformats.org/drawingml/2006/compatibility" xmlns:p14="http://schemas.microsoft.com/office/powerpoint/2010/main" xmlns:p15="http://schemas.microsoft.com/office/powerpoint/2012/main">
-  <p:cSld>
-    <p:spTree>
-      <p:nvGrpSpPr>
-        <p:cNvPr id="269" name="Shape 269"/>
-        <p:cNvGrpSpPr/>
-        <p:nvPr/>
-      </p:nvGrpSpPr>
-      <p:grpSpPr>
-        <a:xfrm>
-          <a:off x="0" y="0"/>
-          <a:ext cx="0" cy="0"/>
-          <a:chOff x="0" y="0"/>
-          <a:chExt cx="0" cy="0"/>
-        </a:xfrm>
-      </p:grpSpPr>
-      <p:pic>
-        <p:nvPicPr>
-          <p:cNvPr id="270" name="Google Shape;270;p22"/>
-          <p:cNvPicPr preferRelativeResize="0"/>
-          <p:nvPr/>
-        </p:nvPicPr>
-        <p:blipFill>
-          <a:blip r:embed="rId3">
-            <a:alphaModFix/>
-          </a:blip>
-          <a:stretch>
-            <a:fillRect/>
-          </a:stretch>
-        </p:blipFill>
-        <p:spPr>
-          <a:xfrm>
-            <a:off x="152400" y="152400"/>
-            <a:ext cx="5735671" cy="4838701"/>
-          </a:xfrm>
-          <a:prstGeom prst="rect">
-            <a:avLst/>
-          </a:prstGeom>
-          <a:noFill/>
-          <a:ln>
-            <a:noFill/>
-          </a:ln>
-        </p:spPr>
-      </p:pic>
     </p:spTree>
   </p:cSld>
   <p:clrMapOvr>
